--- a/reports/Final_Report_and_PPT/GROUP 13 - PPT.pptx
+++ b/reports/Final_Report_and_PPT/GROUP 13 - PPT.pptx
@@ -23,19 +23,21 @@
     <p:sldId id="267" r:id="rId17"/>
     <p:sldId id="288" r:id="rId18"/>
     <p:sldId id="260" r:id="rId19"/>
-    <p:sldId id="287" r:id="rId20"/>
-    <p:sldId id="265" r:id="rId21"/>
-    <p:sldId id="261" r:id="rId22"/>
-    <p:sldId id="268" r:id="rId23"/>
-    <p:sldId id="262" r:id="rId24"/>
-    <p:sldId id="275" r:id="rId25"/>
-    <p:sldId id="269" r:id="rId26"/>
-    <p:sldId id="284" r:id="rId27"/>
-    <p:sldId id="270" r:id="rId28"/>
-    <p:sldId id="276" r:id="rId29"/>
-    <p:sldId id="277" r:id="rId30"/>
-    <p:sldId id="278" r:id="rId31"/>
-    <p:sldId id="279" r:id="rId32"/>
+    <p:sldId id="290" r:id="rId20"/>
+    <p:sldId id="287" r:id="rId21"/>
+    <p:sldId id="265" r:id="rId22"/>
+    <p:sldId id="261" r:id="rId23"/>
+    <p:sldId id="268" r:id="rId24"/>
+    <p:sldId id="289" r:id="rId25"/>
+    <p:sldId id="262" r:id="rId26"/>
+    <p:sldId id="275" r:id="rId27"/>
+    <p:sldId id="269" r:id="rId28"/>
+    <p:sldId id="284" r:id="rId29"/>
+    <p:sldId id="270" r:id="rId30"/>
+    <p:sldId id="276" r:id="rId31"/>
+    <p:sldId id="277" r:id="rId32"/>
+    <p:sldId id="278" r:id="rId33"/>
+    <p:sldId id="279" r:id="rId34"/>
   </p:sldIdLst>
   <p:sldSz cx="12192000" cy="6858000"/>
   <p:notesSz cx="6858000" cy="9144000"/>
@@ -396,7 +398,7 @@
             <a:fld id="{B61BEF0D-F0BB-DE4B-95CE-6DB70DBA9567}" type="datetimeFigureOut">
               <a:rPr lang="en-US" dirty="0"/>
               <a:pPr/>
-              <a:t>5/23/2020</a:t>
+              <a:t>5/24/2020</a:t>
             </a:fld>
             <a:endParaRPr lang="en-US"/>
           </a:p>
@@ -653,7 +655,7 @@
             <a:fld id="{B61BEF0D-F0BB-DE4B-95CE-6DB70DBA9567}" type="datetimeFigureOut">
               <a:rPr lang="en-US" dirty="0"/>
               <a:pPr/>
-              <a:t>5/23/2020</a:t>
+              <a:t>5/24/2020</a:t>
             </a:fld>
             <a:endParaRPr lang="en-US"/>
           </a:p>
@@ -883,7 +885,7 @@
             <a:fld id="{B61BEF0D-F0BB-DE4B-95CE-6DB70DBA9567}" type="datetimeFigureOut">
               <a:rPr lang="en-US" dirty="0"/>
               <a:pPr/>
-              <a:t>5/23/2020</a:t>
+              <a:t>5/24/2020</a:t>
             </a:fld>
             <a:endParaRPr lang="en-US"/>
           </a:p>
@@ -1118,7 +1120,7 @@
             <a:fld id="{B61BEF0D-F0BB-DE4B-95CE-6DB70DBA9567}" type="datetimeFigureOut">
               <a:rPr lang="en-US" dirty="0"/>
               <a:pPr/>
-              <a:t>5/23/2020</a:t>
+              <a:t>5/24/2020</a:t>
             </a:fld>
             <a:endParaRPr lang="en-US"/>
           </a:p>
@@ -1421,7 +1423,7 @@
             <a:fld id="{B61BEF0D-F0BB-DE4B-95CE-6DB70DBA9567}" type="datetimeFigureOut">
               <a:rPr lang="en-US" dirty="0"/>
               <a:pPr/>
-              <a:t>5/23/2020</a:t>
+              <a:t>5/24/2020</a:t>
             </a:fld>
             <a:endParaRPr lang="en-US"/>
           </a:p>
@@ -1717,7 +1719,7 @@
             <a:fld id="{B61BEF0D-F0BB-DE4B-95CE-6DB70DBA9567}" type="datetimeFigureOut">
               <a:rPr lang="en-US" dirty="0"/>
               <a:pPr/>
-              <a:t>5/23/2020</a:t>
+              <a:t>5/24/2020</a:t>
             </a:fld>
             <a:endParaRPr lang="en-US"/>
           </a:p>
@@ -2133,7 +2135,7 @@
             <a:fld id="{B61BEF0D-F0BB-DE4B-95CE-6DB70DBA9567}" type="datetimeFigureOut">
               <a:rPr lang="en-US" dirty="0"/>
               <a:pPr/>
-              <a:t>5/23/2020</a:t>
+              <a:t>5/24/2020</a:t>
             </a:fld>
             <a:endParaRPr lang="en-US"/>
           </a:p>
@@ -2291,7 +2293,7 @@
             <a:fld id="{B61BEF0D-F0BB-DE4B-95CE-6DB70DBA9567}" type="datetimeFigureOut">
               <a:rPr lang="en-US" dirty="0"/>
               <a:pPr/>
-              <a:t>5/23/2020</a:t>
+              <a:t>5/24/2020</a:t>
             </a:fld>
             <a:endParaRPr lang="en-US"/>
           </a:p>
@@ -2383,7 +2385,7 @@
             <a:fld id="{B61BEF0D-F0BB-DE4B-95CE-6DB70DBA9567}" type="datetimeFigureOut">
               <a:rPr lang="en-US" dirty="0"/>
               <a:pPr/>
-              <a:t>5/23/2020</a:t>
+              <a:t>5/24/2020</a:t>
             </a:fld>
             <a:endParaRPr lang="en-US"/>
           </a:p>
@@ -2756,7 +2758,7 @@
             <a:fld id="{B61BEF0D-F0BB-DE4B-95CE-6DB70DBA9567}" type="datetimeFigureOut">
               <a:rPr lang="en-US" dirty="0"/>
               <a:pPr/>
-              <a:t>5/23/2020</a:t>
+              <a:t>5/24/2020</a:t>
             </a:fld>
             <a:endParaRPr lang="en-US"/>
           </a:p>
@@ -3040,7 +3042,7 @@
             <a:fld id="{B61BEF0D-F0BB-DE4B-95CE-6DB70DBA9567}" type="datetimeFigureOut">
               <a:rPr lang="en-US" dirty="0"/>
               <a:pPr/>
-              <a:t>5/23/2020</a:t>
+              <a:t>5/24/2020</a:t>
             </a:fld>
             <a:endParaRPr lang="en-US"/>
           </a:p>
@@ -3246,7 +3248,7 @@
             <a:fld id="{B61BEF0D-F0BB-DE4B-95CE-6DB70DBA9567}" type="datetimeFigureOut">
               <a:rPr lang="en-US" dirty="0"/>
               <a:pPr/>
-              <a:t>5/23/2020</a:t>
+              <a:t>5/24/2020</a:t>
             </a:fld>
             <a:endParaRPr lang="en-US"/>
           </a:p>
@@ -3864,11 +3866,7 @@
             </a:r>
             <a:r>
               <a:rPr lang="en-IN" dirty="0" smtClean="0"/>
-              <a:t>for</a:t>
-            </a:r>
-            <a:r>
-              <a:rPr lang="en-IN" dirty="0" smtClean="0"/>
-              <a:t> </a:t>
+              <a:t>for </a:t>
             </a:r>
             <a:r>
               <a:rPr lang="en-IN" dirty="0"/>
@@ -4020,6 +4018,13 @@
   <p:clrMapOvr>
     <a:masterClrMapping/>
   </p:clrMapOvr>
+  <p:timing>
+    <p:tnLst>
+      <p:par>
+        <p:cTn id="1" dur="indefinite" restart="never" nodeType="tmRoot"/>
+      </p:par>
+    </p:tnLst>
+  </p:timing>
 </p:sld>
 </file>
 
@@ -4102,6 +4107,13 @@
   <p:clrMapOvr>
     <a:masterClrMapping/>
   </p:clrMapOvr>
+  <p:timing>
+    <p:tnLst>
+      <p:par>
+        <p:cTn id="1" dur="indefinite" restart="never" nodeType="tmRoot"/>
+      </p:par>
+    </p:tnLst>
+  </p:timing>
 </p:sld>
 </file>
 
@@ -4207,6 +4219,13 @@
   <p:clrMapOvr>
     <a:masterClrMapping/>
   </p:clrMapOvr>
+  <p:timing>
+    <p:tnLst>
+      <p:par>
+        <p:cTn id="1" dur="indefinite" restart="never" nodeType="tmRoot"/>
+      </p:par>
+    </p:tnLst>
+  </p:timing>
 </p:sld>
 </file>
 
@@ -4266,6 +4285,13 @@
   <p:clrMapOvr>
     <a:masterClrMapping/>
   </p:clrMapOvr>
+  <p:timing>
+    <p:tnLst>
+      <p:par>
+        <p:cTn id="1" dur="indefinite" restart="never" nodeType="tmRoot"/>
+      </p:par>
+    </p:tnLst>
+  </p:timing>
 </p:sld>
 </file>
 
@@ -4414,6 +4440,13 @@
   <p:clrMapOvr>
     <a:masterClrMapping/>
   </p:clrMapOvr>
+  <p:timing>
+    <p:tnLst>
+      <p:par>
+        <p:cTn id="1" dur="indefinite" restart="never" nodeType="tmRoot"/>
+      </p:par>
+    </p:tnLst>
+  </p:timing>
 </p:sld>
 </file>
 
@@ -4503,6 +4536,13 @@
   <p:clrMapOvr>
     <a:masterClrMapping/>
   </p:clrMapOvr>
+  <p:timing>
+    <p:tnLst>
+      <p:par>
+        <p:cTn id="1" dur="indefinite" restart="never" nodeType="tmRoot"/>
+      </p:par>
+    </p:tnLst>
+  </p:timing>
 </p:sld>
 </file>
 
@@ -4608,6 +4648,13 @@
   <p:clrMapOvr>
     <a:masterClrMapping/>
   </p:clrMapOvr>
+  <p:timing>
+    <p:tnLst>
+      <p:par>
+        <p:cTn id="1" dur="indefinite" restart="never" nodeType="tmRoot"/>
+      </p:par>
+    </p:tnLst>
+  </p:timing>
 </p:sld>
 </file>
 
@@ -4641,10 +4688,10 @@
           <p:cNvPr id="9" name="Rectangle 8">
             <a:extLst>
               <a:ext uri="{FF2B5EF4-FFF2-40B4-BE49-F238E27FC236}">
-                <a16:creationId xmlns:a16="http://schemas.microsoft.com/office/drawing/2014/main" xmlns="" id="{879A26B8-6C4E-452B-ADD3-ED324A7AB7E8}"/>
+                <a16:creationId xmlns="" xmlns:a16="http://schemas.microsoft.com/office/drawing/2014/main" id="{879A26B8-6C4E-452B-ADD3-ED324A7AB7E8}"/>
               </a:ext>
               <a:ext uri="{C183D7F6-B498-43B3-948B-1728B52AA6E4}">
-                <adec:decorative xmlns:adec="http://schemas.microsoft.com/office/drawing/2017/decorative" xmlns="" val="1"/>
+                <adec:decorative xmlns="" xmlns:adec="http://schemas.microsoft.com/office/drawing/2017/decorative" val="1"/>
               </a:ext>
             </a:extLst>
           </p:cNvPr>
@@ -4654,7 +4701,7 @@
           <p:nvPr>
             <p:extLst>
               <p:ext uri="{386F3935-93C4-4BCD-93E2-E3B085C9AB24}">
-                <p16:designElem xmlns:p16="http://schemas.microsoft.com/office/powerpoint/2015/main" xmlns="" val="1"/>
+                <p16:designElem xmlns="" xmlns:p16="http://schemas.microsoft.com/office/powerpoint/2015/main" val="1"/>
               </p:ext>
             </p:extLst>
           </p:nvPr>
@@ -4704,10 +4751,10 @@
           <p:cNvPr id="11" name="Rectangle 10">
             <a:extLst>
               <a:ext uri="{FF2B5EF4-FFF2-40B4-BE49-F238E27FC236}">
-                <a16:creationId xmlns:a16="http://schemas.microsoft.com/office/drawing/2014/main" xmlns="" id="{9B4167E1-E2B0-4192-8DA2-6967DDFF87A5}"/>
+                <a16:creationId xmlns="" xmlns:a16="http://schemas.microsoft.com/office/drawing/2014/main" id="{9B4167E1-E2B0-4192-8DA2-6967DDFF87A5}"/>
               </a:ext>
               <a:ext uri="{C183D7F6-B498-43B3-948B-1728B52AA6E4}">
-                <adec:decorative xmlns:adec="http://schemas.microsoft.com/office/drawing/2017/decorative" xmlns="" val="1"/>
+                <adec:decorative xmlns="" xmlns:adec="http://schemas.microsoft.com/office/drawing/2017/decorative" val="1"/>
               </a:ext>
             </a:extLst>
           </p:cNvPr>
@@ -4717,7 +4764,7 @@
           <p:nvPr>
             <p:extLst>
               <p:ext uri="{386F3935-93C4-4BCD-93E2-E3B085C9AB24}">
-                <p16:designElem xmlns:p16="http://schemas.microsoft.com/office/powerpoint/2015/main" xmlns="" val="1"/>
+                <p16:designElem xmlns="" xmlns:p16="http://schemas.microsoft.com/office/powerpoint/2015/main" val="1"/>
               </p:ext>
             </p:extLst>
           </p:nvPr>
@@ -4791,10 +4838,10 @@
           <p:cNvPr id="13" name="Rectangle 12">
             <a:extLst>
               <a:ext uri="{FF2B5EF4-FFF2-40B4-BE49-F238E27FC236}">
-                <a16:creationId xmlns:a16="http://schemas.microsoft.com/office/drawing/2014/main" xmlns="" id="{D03E4FEE-2E6A-44AB-B6BA-C1AD0CD6D93B}"/>
+                <a16:creationId xmlns="" xmlns:a16="http://schemas.microsoft.com/office/drawing/2014/main" id="{D03E4FEE-2E6A-44AB-B6BA-C1AD0CD6D93B}"/>
               </a:ext>
               <a:ext uri="{C183D7F6-B498-43B3-948B-1728B52AA6E4}">
-                <adec:decorative xmlns:adec="http://schemas.microsoft.com/office/drawing/2017/decorative" xmlns="" val="1"/>
+                <adec:decorative xmlns="" xmlns:adec="http://schemas.microsoft.com/office/drawing/2017/decorative" val="1"/>
               </a:ext>
             </a:extLst>
           </p:cNvPr>
@@ -4804,7 +4851,7 @@
           <p:nvPr>
             <p:extLst>
               <p:ext uri="{386F3935-93C4-4BCD-93E2-E3B085C9AB24}">
-                <p16:designElem xmlns:p16="http://schemas.microsoft.com/office/powerpoint/2015/main" xmlns="" val="1"/>
+                <p16:designElem xmlns="" xmlns:p16="http://schemas.microsoft.com/office/powerpoint/2015/main" val="1"/>
               </p:ext>
             </p:extLst>
           </p:nvPr>
@@ -4845,10 +4892,10 @@
           <p:cNvPr id="15" name="Rectangle 14">
             <a:extLst>
               <a:ext uri="{FF2B5EF4-FFF2-40B4-BE49-F238E27FC236}">
-                <a16:creationId xmlns:a16="http://schemas.microsoft.com/office/drawing/2014/main" xmlns="" id="{0817EB59-13B3-43DA-9B91-A7CC174A6069}"/>
+                <a16:creationId xmlns="" xmlns:a16="http://schemas.microsoft.com/office/drawing/2014/main" id="{0817EB59-13B3-43DA-9B91-A7CC174A6069}"/>
               </a:ext>
               <a:ext uri="{C183D7F6-B498-43B3-948B-1728B52AA6E4}">
-                <adec:decorative xmlns:adec="http://schemas.microsoft.com/office/drawing/2017/decorative" xmlns="" val="1"/>
+                <adec:decorative xmlns="" xmlns:adec="http://schemas.microsoft.com/office/drawing/2017/decorative" val="1"/>
               </a:ext>
             </a:extLst>
           </p:cNvPr>
@@ -4858,7 +4905,7 @@
           <p:nvPr>
             <p:extLst>
               <p:ext uri="{386F3935-93C4-4BCD-93E2-E3B085C9AB24}">
-                <p16:designElem xmlns:p16="http://schemas.microsoft.com/office/powerpoint/2015/main" xmlns="" val="1"/>
+                <p16:designElem xmlns="" xmlns:p16="http://schemas.microsoft.com/office/powerpoint/2015/main" val="1"/>
               </p:ext>
             </p:extLst>
           </p:nvPr>
@@ -4943,7 +4990,7 @@
           <p:cNvPr id="5" name="Picture 5" descr="A screenshot of a social media post&#10;&#10;Description generated with very high confidence">
             <a:extLst>
               <a:ext uri="{FF2B5EF4-FFF2-40B4-BE49-F238E27FC236}">
-                <a16:creationId xmlns:a16="http://schemas.microsoft.com/office/drawing/2014/main" xmlns="" id="{027A41B3-C89C-44F9-8F22-32CB7851604C}"/>
+                <a16:creationId xmlns="" xmlns:a16="http://schemas.microsoft.com/office/drawing/2014/main" id="{027A41B3-C89C-44F9-8F22-32CB7851604C}"/>
               </a:ext>
             </a:extLst>
           </p:cNvPr>
@@ -4978,6 +5025,13 @@
   <p:clrMapOvr>
     <a:overrideClrMapping bg1="dk1" tx1="lt1" bg2="dk2" tx2="lt2" accent1="accent1" accent2="accent2" accent3="accent3" accent4="accent4" accent5="accent5" accent6="accent6" hlink="hlink" folHlink="folHlink"/>
   </p:clrMapOvr>
+  <p:timing>
+    <p:tnLst>
+      <p:par>
+        <p:cTn id="1" dur="indefinite" restart="never" nodeType="tmRoot"/>
+      </p:par>
+    </p:tnLst>
+  </p:timing>
 </p:sld>
 </file>
 
@@ -5135,6 +5189,13 @@
   <p:clrMapOvr>
     <a:masterClrMapping/>
   </p:clrMapOvr>
+  <p:timing>
+    <p:tnLst>
+      <p:par>
+        <p:cTn id="1" dur="indefinite" restart="never" nodeType="tmRoot"/>
+      </p:par>
+    </p:tnLst>
+  </p:timing>
 </p:sld>
 </file>
 
@@ -5171,14 +5232,14 @@
           <a:lstStyle/>
           <a:p>
             <a:r>
-              <a:rPr lang="en-IN"/>
+              <a:rPr lang="en-IN" dirty="0"/>
               <a:t>LOGISTIC </a:t>
             </a:r>
             <a:r>
-              <a:rPr lang="en-IN" err="1"/>
-              <a:t>REGRESSIOn</a:t>
-            </a:r>
-            <a:endParaRPr lang="en-IN"/>
+              <a:rPr lang="en-IN" dirty="0" smtClean="0"/>
+              <a:t>Regression</a:t>
+            </a:r>
+            <a:endParaRPr lang="en-IN" dirty="0"/>
           </a:p>
         </p:txBody>
       </p:sp>
@@ -5334,7 +5395,7 @@
           <p:cNvPr id="4" name="Picture 4" descr="A close up of a logo&#10;&#10;Description generated with very high confidence">
             <a:extLst>
               <a:ext uri="{FF2B5EF4-FFF2-40B4-BE49-F238E27FC236}">
-                <a16:creationId xmlns:a16="http://schemas.microsoft.com/office/drawing/2014/main" xmlns="" id="{21FF86FF-D0CF-40A8-B009-51ADC1FEB9CE}"/>
+                <a16:creationId xmlns="" xmlns:a16="http://schemas.microsoft.com/office/drawing/2014/main" id="{21FF86FF-D0CF-40A8-B009-51ADC1FEB9CE}"/>
               </a:ext>
             </a:extLst>
           </p:cNvPr>
@@ -5359,6 +5420,36 @@
           </a:prstGeom>
         </p:spPr>
       </p:pic>
+      <p:pic>
+        <p:nvPicPr>
+          <p:cNvPr id="5" name="Picture 4"/>
+          <p:cNvPicPr>
+            <a:picLocks noChangeAspect="1"/>
+          </p:cNvPicPr>
+          <p:nvPr/>
+        </p:nvPicPr>
+        <p:blipFill>
+          <a:blip r:embed="rId3">
+            <a:extLst>
+              <a:ext uri="{28A0092B-C50C-407E-A947-70E740481C1C}">
+                <a14:useLocalDpi xmlns:a14="http://schemas.microsoft.com/office/drawing/2010/main" val="0"/>
+              </a:ext>
+            </a:extLst>
+          </a:blip>
+          <a:stretch>
+            <a:fillRect/>
+          </a:stretch>
+        </p:blipFill>
+        <p:spPr>
+          <a:xfrm>
+            <a:off x="7879040" y="2642615"/>
+            <a:ext cx="3731767" cy="1127379"/>
+          </a:xfrm>
+          <a:prstGeom prst="rect">
+            <a:avLst/>
+          </a:prstGeom>
+        </p:spPr>
+      </p:pic>
     </p:spTree>
     <p:extLst>
       <p:ext uri="{BB962C8B-B14F-4D97-AF65-F5344CB8AC3E}">
@@ -5369,6 +5460,13 @@
   <p:clrMapOvr>
     <a:masterClrMapping/>
   </p:clrMapOvr>
+  <p:timing>
+    <p:tnLst>
+      <p:par>
+        <p:cTn id="1" dur="indefinite" restart="never" nodeType="tmRoot"/>
+      </p:par>
+    </p:tnLst>
+  </p:timing>
 </p:sld>
 </file>
 
@@ -5391,7 +5489,7 @@
       </p:grpSpPr>
       <p:sp>
         <p:nvSpPr>
-          <p:cNvPr id="4" name="Title 3"/>
+          <p:cNvPr id="6" name="Title 5"/>
           <p:cNvSpPr>
             <a:spLocks noGrp="1"/>
           </p:cNvSpPr>
@@ -5406,30 +5504,7 @@
           <a:p>
             <a:r>
               <a:rPr lang="en-IN" dirty="0" smtClean="0"/>
-              <a:t>LOGISTIC REGRESSION - COST FUNCTION</a:t>
-            </a:r>
-            <a:endParaRPr lang="en-IN" dirty="0"/>
-          </a:p>
-        </p:txBody>
-      </p:sp>
-      <p:sp>
-        <p:nvSpPr>
-          <p:cNvPr id="5" name="Content Placeholder 4"/>
-          <p:cNvSpPr>
-            <a:spLocks noGrp="1"/>
-          </p:cNvSpPr>
-          <p:nvPr>
-            <p:ph sz="half" idx="1"/>
-          </p:nvPr>
-        </p:nvSpPr>
-        <p:spPr/>
-        <p:txBody>
-          <a:bodyPr/>
-          <a:lstStyle/>
-          <a:p>
-            <a:r>
-              <a:rPr lang="en-US" dirty="0"/>
-              <a:t>The Cost Function represent the optimization objective. Our aim is to minimize this cost function so that we can develop an accurate model with minimum error.</a:t>
+              <a:t>GRADIENT DESCENT</a:t>
             </a:r>
             <a:endParaRPr lang="en-IN" dirty="0"/>
           </a:p>
@@ -5437,12 +5512,12 @@
       </p:sp>
       <p:pic>
         <p:nvPicPr>
-          <p:cNvPr id="7" name="Content Placeholder 6"/>
+          <p:cNvPr id="4" name="Content Placeholder 3"/>
           <p:cNvPicPr>
-            <a:picLocks noGrp="1"/>
+            <a:picLocks noGrp="1" noChangeAspect="1"/>
           </p:cNvPicPr>
           <p:nvPr>
-            <p:ph sz="half" idx="2"/>
+            <p:ph idx="4294967295"/>
           </p:nvPr>
         </p:nvPicPr>
         <p:blipFill>
@@ -5459,30 +5534,35 @@
         </p:blipFill>
         <p:spPr>
           <a:xfrm>
-            <a:off x="6187909" y="4356015"/>
-            <a:ext cx="5422900" cy="1358731"/>
+            <a:off x="164592" y="3254502"/>
+            <a:ext cx="4511675" cy="1773238"/>
           </a:xfrm>
-          <a:prstGeom prst="rect">
-            <a:avLst/>
-          </a:prstGeom>
         </p:spPr>
       </p:pic>
       <p:pic>
         <p:nvPicPr>
-          <p:cNvPr id="8" name="Picture 7" descr="1_2g14OVjyJqio2zXwJxgj2w.png"/>
-          <p:cNvPicPr/>
+          <p:cNvPr id="5" name="Picture 4"/>
+          <p:cNvPicPr>
+            <a:picLocks noChangeAspect="1"/>
+          </p:cNvPicPr>
           <p:nvPr/>
         </p:nvPicPr>
         <p:blipFill>
-          <a:blip r:embed="rId3"/>
+          <a:blip r:embed="rId3">
+            <a:extLst>
+              <a:ext uri="{28A0092B-C50C-407E-A947-70E740481C1C}">
+                <a14:useLocalDpi xmlns:a14="http://schemas.microsoft.com/office/drawing/2010/main" val="0"/>
+              </a:ext>
+            </a:extLst>
+          </a:blip>
           <a:stretch>
             <a:fillRect/>
           </a:stretch>
         </p:blipFill>
         <p:spPr>
           <a:xfrm>
-            <a:off x="6096001" y="3002724"/>
-            <a:ext cx="5731510" cy="815975"/>
+            <a:off x="4376602" y="2331719"/>
+            <a:ext cx="7414585" cy="4166997"/>
           </a:xfrm>
           <a:prstGeom prst="rect">
             <a:avLst/>
@@ -5492,7 +5572,7 @@
     </p:spTree>
     <p:extLst>
       <p:ext uri="{BB962C8B-B14F-4D97-AF65-F5344CB8AC3E}">
-        <p14:creationId xmlns:p14="http://schemas.microsoft.com/office/powerpoint/2010/main" val="753707802"/>
+        <p14:creationId xmlns:p14="http://schemas.microsoft.com/office/powerpoint/2010/main" val="1882288649"/>
       </p:ext>
     </p:extLst>
   </p:cSld>
@@ -6092,6 +6172,13 @@
   <p:clrMapOvr>
     <a:masterClrMapping/>
   </p:clrMapOvr>
+  <p:timing>
+    <p:tnLst>
+      <p:par>
+        <p:cTn id="1" dur="indefinite" restart="never" nodeType="tmRoot"/>
+      </p:par>
+    </p:tnLst>
+  </p:timing>
 </p:sld>
 </file>
 
@@ -6114,7 +6201,7 @@
       </p:grpSpPr>
       <p:sp>
         <p:nvSpPr>
-          <p:cNvPr id="2" name="Title 1"/>
+          <p:cNvPr id="4" name="Title 3"/>
           <p:cNvSpPr>
             <a:spLocks noGrp="1"/>
           </p:cNvSpPr>
@@ -6128,12 +6215,8 @@
           <a:lstStyle/>
           <a:p>
             <a:r>
-              <a:rPr lang="en-IN" dirty="0"/>
-              <a:t>LOGISTIC </a:t>
-            </a:r>
-            <a:r>
               <a:rPr lang="en-IN" dirty="0" smtClean="0"/>
-              <a:t>REGRESSION - MODEL</a:t>
+              <a:t>LOGISTIC REGRESSION - COST FUNCTION</a:t>
             </a:r>
             <a:endParaRPr lang="en-IN" dirty="0"/>
           </a:p>
@@ -6141,12 +6224,12 @@
       </p:sp>
       <p:sp>
         <p:nvSpPr>
-          <p:cNvPr id="3" name="Content Placeholder 2"/>
-          <p:cNvSpPr>
-            <a:spLocks noGrp="1"/>
-          </p:cNvSpPr>
-          <p:nvPr>
-            <p:ph idx="1"/>
+          <p:cNvPr id="5" name="Content Placeholder 4"/>
+          <p:cNvSpPr>
+            <a:spLocks noGrp="1"/>
+          </p:cNvSpPr>
+          <p:nvPr>
+            <p:ph sz="half" idx="1"/>
           </p:nvPr>
         </p:nvSpPr>
         <p:spPr/>
@@ -6154,142 +6237,85 @@
           <a:bodyPr/>
           <a:lstStyle/>
           <a:p>
-            <a:pPr marL="0" indent="0">
-              <a:buNone/>
-            </a:pPr>
-            <a:r>
-              <a:rPr lang="en-IN">
-                <a:ea typeface="+mn-lt"/>
-                <a:cs typeface="+mn-lt"/>
-              </a:rPr>
-              <a:t>After selecting features our logistic regression model consist of the following parameters:</a:t>
-            </a:r>
-            <a:endParaRPr lang="en-US"/>
-          </a:p>
-          <a:p>
-            <a:pPr marL="305435" indent="-305435"/>
-            <a:r>
-              <a:rPr lang="en-IN" b="1">
-                <a:ea typeface="+mn-lt"/>
-                <a:cs typeface="+mn-lt"/>
-              </a:rPr>
-              <a:t>C </a:t>
-            </a:r>
-            <a:r>
-              <a:rPr lang="en-IN" b="1" i="1">
-                <a:ea typeface="+mn-lt"/>
-                <a:cs typeface="+mn-lt"/>
-              </a:rPr>
-              <a:t> default value=1.0 : </a:t>
-            </a:r>
-            <a:r>
-              <a:rPr lang="en-IN">
-                <a:ea typeface="+mn-lt"/>
-                <a:cs typeface="+mn-lt"/>
-              </a:rPr>
-              <a:t>Inverse of regularization strength; must be a positive float. Like in support vector machines, smaller values specify stronger regularization.</a:t>
-            </a:r>
-          </a:p>
-          <a:p>
-            <a:pPr marL="305435" indent="-305435"/>
-            <a:r>
-              <a:rPr lang="en-IN" b="1">
-                <a:ea typeface="+mn-lt"/>
-                <a:cs typeface="+mn-lt"/>
-              </a:rPr>
-              <a:t>tol</a:t>
-            </a:r>
-            <a:r>
-              <a:rPr lang="en-IN" b="1" i="1">
-                <a:ea typeface="+mn-lt"/>
-                <a:cs typeface="+mn-lt"/>
-              </a:rPr>
-              <a:t>float, default=1e-4 :</a:t>
-            </a:r>
-            <a:r>
-              <a:rPr lang="en-IN">
-                <a:ea typeface="+mn-lt"/>
-                <a:cs typeface="+mn-lt"/>
-              </a:rPr>
-              <a:t>Tolerance for stopping criteria.</a:t>
+            <a:r>
+              <a:rPr lang="en-US" dirty="0"/>
+              <a:t>The Cost Function represent the optimization objective. Our aim is to minimize this cost function so that we can develop an accurate model with minimum error.</a:t>
             </a:r>
             <a:endParaRPr lang="en-IN" dirty="0"/>
           </a:p>
-          <a:p>
-            <a:pPr marL="305435" indent="-305435"/>
-            <a:r>
-              <a:rPr lang="en-IN" b="1">
-                <a:ea typeface="+mn-lt"/>
-                <a:cs typeface="+mn-lt"/>
-              </a:rPr>
-              <a:t>penalty</a:t>
-            </a:r>
-            <a:r>
-              <a:rPr lang="en-IN" b="1" i="1">
-                <a:ea typeface="+mn-lt"/>
-                <a:cs typeface="+mn-lt"/>
-              </a:rPr>
-              <a:t>{‘l1’, ‘l2’, ‘elasticnet’, ‘none’}, default=’l2’ :</a:t>
-            </a:r>
-            <a:r>
-              <a:rPr lang="en-IN">
-                <a:ea typeface="+mn-lt"/>
-                <a:cs typeface="+mn-lt"/>
-              </a:rPr>
-              <a:t>Used to specify the norm used in the penalization.</a:t>
-            </a:r>
-            <a:endParaRPr lang="en-IN" dirty="0">
-              <a:ea typeface="+mn-lt"/>
-              <a:cs typeface="+mn-lt"/>
-            </a:endParaRPr>
-          </a:p>
-          <a:p>
-            <a:pPr marL="305435" indent="-305435"/>
-            <a:r>
-              <a:rPr lang="en-IN" b="1">
-                <a:ea typeface="+mn-lt"/>
-                <a:cs typeface="+mn-lt"/>
-              </a:rPr>
-              <a:t>solver</a:t>
-            </a:r>
-            <a:r>
-              <a:rPr lang="en-IN" b="1" i="1">
-                <a:ea typeface="+mn-lt"/>
-                <a:cs typeface="+mn-lt"/>
-              </a:rPr>
-              <a:t>{‘newton-cg’, ‘lbfgs’, ‘liblinear’, ‘sag’, ‘saga’}, default=’lbfgs’: </a:t>
-            </a:r>
-            <a:r>
-              <a:rPr lang="en-IN">
-                <a:ea typeface="+mn-lt"/>
-                <a:cs typeface="+mn-lt"/>
-              </a:rPr>
-              <a:t>Algorithm to use in the optimization problem.</a:t>
-            </a:r>
-            <a:endParaRPr lang="en-IN" dirty="0"/>
-          </a:p>
-          <a:p>
-            <a:pPr marL="305435" indent="-305435"/>
-            <a:endParaRPr lang="en-IN" dirty="0"/>
-          </a:p>
-          <a:p>
-            <a:pPr marL="0" indent="0">
-              <a:buNone/>
-            </a:pPr>
-            <a:endParaRPr lang="en-IN" dirty="0"/>
-          </a:p>
-        </p:txBody>
-      </p:sp>
+        </p:txBody>
+      </p:sp>
+      <p:pic>
+        <p:nvPicPr>
+          <p:cNvPr id="7" name="Content Placeholder 6"/>
+          <p:cNvPicPr>
+            <a:picLocks noGrp="1"/>
+          </p:cNvPicPr>
+          <p:nvPr>
+            <p:ph sz="half" idx="2"/>
+          </p:nvPr>
+        </p:nvPicPr>
+        <p:blipFill>
+          <a:blip r:embed="rId2">
+            <a:extLst>
+              <a:ext uri="{28A0092B-C50C-407E-A947-70E740481C1C}">
+                <a14:useLocalDpi xmlns:a14="http://schemas.microsoft.com/office/drawing/2010/main" val="0"/>
+              </a:ext>
+            </a:extLst>
+          </a:blip>
+          <a:stretch>
+            <a:fillRect/>
+          </a:stretch>
+        </p:blipFill>
+        <p:spPr>
+          <a:xfrm>
+            <a:off x="6178765" y="4356015"/>
+            <a:ext cx="5422900" cy="1358731"/>
+          </a:xfrm>
+          <a:prstGeom prst="rect">
+            <a:avLst/>
+          </a:prstGeom>
+        </p:spPr>
+      </p:pic>
+      <p:pic>
+        <p:nvPicPr>
+          <p:cNvPr id="8" name="Picture 7" descr="1_2g14OVjyJqio2zXwJxgj2w.png"/>
+          <p:cNvPicPr/>
+          <p:nvPr/>
+        </p:nvPicPr>
+        <p:blipFill>
+          <a:blip r:embed="rId3"/>
+          <a:stretch>
+            <a:fillRect/>
+          </a:stretch>
+        </p:blipFill>
+        <p:spPr>
+          <a:xfrm>
+            <a:off x="6096001" y="3002724"/>
+            <a:ext cx="5731510" cy="815975"/>
+          </a:xfrm>
+          <a:prstGeom prst="rect">
+            <a:avLst/>
+          </a:prstGeom>
+        </p:spPr>
+      </p:pic>
     </p:spTree>
     <p:extLst>
       <p:ext uri="{BB962C8B-B14F-4D97-AF65-F5344CB8AC3E}">
-        <p14:creationId xmlns:p14="http://schemas.microsoft.com/office/powerpoint/2010/main" val="2338616781"/>
+        <p14:creationId xmlns:p14="http://schemas.microsoft.com/office/powerpoint/2010/main" val="753707802"/>
       </p:ext>
     </p:extLst>
   </p:cSld>
   <p:clrMapOvr>
     <a:masterClrMapping/>
   </p:clrMapOvr>
+  <p:timing>
+    <p:tnLst>
+      <p:par>
+        <p:cTn id="1" dur="indefinite" restart="never" nodeType="tmRoot"/>
+      </p:par>
+    </p:tnLst>
+  </p:timing>
 </p:sld>
 </file>
 
@@ -6326,6 +6352,211 @@
           <a:lstStyle/>
           <a:p>
             <a:r>
+              <a:rPr lang="en-IN" dirty="0"/>
+              <a:t>LOGISTIC </a:t>
+            </a:r>
+            <a:r>
+              <a:rPr lang="en-IN" dirty="0" smtClean="0"/>
+              <a:t>REGRESSION - MODEL</a:t>
+            </a:r>
+            <a:endParaRPr lang="en-IN" dirty="0"/>
+          </a:p>
+        </p:txBody>
+      </p:sp>
+      <p:sp>
+        <p:nvSpPr>
+          <p:cNvPr id="3" name="Content Placeholder 2"/>
+          <p:cNvSpPr>
+            <a:spLocks noGrp="1"/>
+          </p:cNvSpPr>
+          <p:nvPr>
+            <p:ph idx="1"/>
+          </p:nvPr>
+        </p:nvSpPr>
+        <p:spPr/>
+        <p:txBody>
+          <a:bodyPr/>
+          <a:lstStyle/>
+          <a:p>
+            <a:pPr marL="0" indent="0">
+              <a:buNone/>
+            </a:pPr>
+            <a:r>
+              <a:rPr lang="en-IN">
+                <a:ea typeface="+mn-lt"/>
+                <a:cs typeface="+mn-lt"/>
+              </a:rPr>
+              <a:t>After selecting features our logistic regression model consist of the following parameters:</a:t>
+            </a:r>
+            <a:endParaRPr lang="en-US"/>
+          </a:p>
+          <a:p>
+            <a:pPr marL="305435" indent="-305435"/>
+            <a:r>
+              <a:rPr lang="en-IN" b="1">
+                <a:ea typeface="+mn-lt"/>
+                <a:cs typeface="+mn-lt"/>
+              </a:rPr>
+              <a:t>C </a:t>
+            </a:r>
+            <a:r>
+              <a:rPr lang="en-IN" b="1" i="1">
+                <a:ea typeface="+mn-lt"/>
+                <a:cs typeface="+mn-lt"/>
+              </a:rPr>
+              <a:t> default value=1.0 : </a:t>
+            </a:r>
+            <a:r>
+              <a:rPr lang="en-IN">
+                <a:ea typeface="+mn-lt"/>
+                <a:cs typeface="+mn-lt"/>
+              </a:rPr>
+              <a:t>Inverse of regularization strength; must be a positive float. Like in support vector machines, smaller values specify stronger regularization.</a:t>
+            </a:r>
+          </a:p>
+          <a:p>
+            <a:pPr marL="305435" indent="-305435"/>
+            <a:r>
+              <a:rPr lang="en-IN" b="1">
+                <a:ea typeface="+mn-lt"/>
+                <a:cs typeface="+mn-lt"/>
+              </a:rPr>
+              <a:t>tol</a:t>
+            </a:r>
+            <a:r>
+              <a:rPr lang="en-IN" b="1" i="1">
+                <a:ea typeface="+mn-lt"/>
+                <a:cs typeface="+mn-lt"/>
+              </a:rPr>
+              <a:t>float, default=1e-4 :</a:t>
+            </a:r>
+            <a:r>
+              <a:rPr lang="en-IN">
+                <a:ea typeface="+mn-lt"/>
+                <a:cs typeface="+mn-lt"/>
+              </a:rPr>
+              <a:t>Tolerance for stopping criteria.</a:t>
+            </a:r>
+            <a:endParaRPr lang="en-IN" dirty="0"/>
+          </a:p>
+          <a:p>
+            <a:pPr marL="305435" indent="-305435"/>
+            <a:r>
+              <a:rPr lang="en-IN" b="1">
+                <a:ea typeface="+mn-lt"/>
+                <a:cs typeface="+mn-lt"/>
+              </a:rPr>
+              <a:t>penalty</a:t>
+            </a:r>
+            <a:r>
+              <a:rPr lang="en-IN" b="1" i="1">
+                <a:ea typeface="+mn-lt"/>
+                <a:cs typeface="+mn-lt"/>
+              </a:rPr>
+              <a:t>{‘l1’, ‘l2’, ‘elasticnet’, ‘none’}, default=’l2’ :</a:t>
+            </a:r>
+            <a:r>
+              <a:rPr lang="en-IN">
+                <a:ea typeface="+mn-lt"/>
+                <a:cs typeface="+mn-lt"/>
+              </a:rPr>
+              <a:t>Used to specify the norm used in the penalization.</a:t>
+            </a:r>
+            <a:endParaRPr lang="en-IN" dirty="0">
+              <a:ea typeface="+mn-lt"/>
+              <a:cs typeface="+mn-lt"/>
+            </a:endParaRPr>
+          </a:p>
+          <a:p>
+            <a:pPr marL="305435" indent="-305435"/>
+            <a:r>
+              <a:rPr lang="en-IN" b="1">
+                <a:ea typeface="+mn-lt"/>
+                <a:cs typeface="+mn-lt"/>
+              </a:rPr>
+              <a:t>solver</a:t>
+            </a:r>
+            <a:r>
+              <a:rPr lang="en-IN" b="1" i="1">
+                <a:ea typeface="+mn-lt"/>
+                <a:cs typeface="+mn-lt"/>
+              </a:rPr>
+              <a:t>{‘newton-cg’, ‘lbfgs’, ‘liblinear’, ‘sag’, ‘saga’}, default=’lbfgs’: </a:t>
+            </a:r>
+            <a:r>
+              <a:rPr lang="en-IN">
+                <a:ea typeface="+mn-lt"/>
+                <a:cs typeface="+mn-lt"/>
+              </a:rPr>
+              <a:t>Algorithm to use in the optimization problem.</a:t>
+            </a:r>
+            <a:endParaRPr lang="en-IN" dirty="0"/>
+          </a:p>
+          <a:p>
+            <a:pPr marL="305435" indent="-305435"/>
+            <a:endParaRPr lang="en-IN" dirty="0"/>
+          </a:p>
+          <a:p>
+            <a:pPr marL="0" indent="0">
+              <a:buNone/>
+            </a:pPr>
+            <a:endParaRPr lang="en-IN" dirty="0"/>
+          </a:p>
+        </p:txBody>
+      </p:sp>
+    </p:spTree>
+    <p:extLst>
+      <p:ext uri="{BB962C8B-B14F-4D97-AF65-F5344CB8AC3E}">
+        <p14:creationId xmlns:p14="http://schemas.microsoft.com/office/powerpoint/2010/main" val="2338616781"/>
+      </p:ext>
+    </p:extLst>
+  </p:cSld>
+  <p:clrMapOvr>
+    <a:masterClrMapping/>
+  </p:clrMapOvr>
+  <p:timing>
+    <p:tnLst>
+      <p:par>
+        <p:cTn id="1" dur="indefinite" restart="never" nodeType="tmRoot"/>
+      </p:par>
+    </p:tnLst>
+  </p:timing>
+</p:sld>
+</file>
+
+<file path=ppt/slides/slide22.xml><?xml version="1.0" encoding="utf-8"?>
+<p:sld xmlns:a="http://schemas.openxmlformats.org/drawingml/2006/main" xmlns:r="http://schemas.openxmlformats.org/officeDocument/2006/relationships" xmlns:p="http://schemas.openxmlformats.org/presentationml/2006/main">
+  <p:cSld>
+    <p:spTree>
+      <p:nvGrpSpPr>
+        <p:cNvPr id="1" name=""/>
+        <p:cNvGrpSpPr/>
+        <p:nvPr/>
+      </p:nvGrpSpPr>
+      <p:grpSpPr>
+        <a:xfrm>
+          <a:off x="0" y="0"/>
+          <a:ext cx="0" cy="0"/>
+          <a:chOff x="0" y="0"/>
+          <a:chExt cx="0" cy="0"/>
+        </a:xfrm>
+      </p:grpSpPr>
+      <p:sp>
+        <p:nvSpPr>
+          <p:cNvPr id="2" name="Title 1"/>
+          <p:cNvSpPr>
+            <a:spLocks noGrp="1"/>
+          </p:cNvSpPr>
+          <p:nvPr>
+            <p:ph type="title"/>
+          </p:nvPr>
+        </p:nvSpPr>
+        <p:spPr/>
+        <p:txBody>
+          <a:bodyPr/>
+          <a:lstStyle/>
+          <a:p>
+            <a:r>
               <a:rPr lang="en-IN"/>
               <a:t>GENETIC ALGORITHM</a:t>
             </a:r>
@@ -6386,10 +6617,17 @@
   <p:clrMapOvr>
     <a:masterClrMapping/>
   </p:clrMapOvr>
+  <p:timing>
+    <p:tnLst>
+      <p:par>
+        <p:cTn id="1" dur="indefinite" restart="never" nodeType="tmRoot"/>
+      </p:par>
+    </p:tnLst>
+  </p:timing>
 </p:sld>
 </file>
 
-<file path=ppt/slides/slide22.xml><?xml version="1.0" encoding="utf-8"?>
+<file path=ppt/slides/slide23.xml><?xml version="1.0" encoding="utf-8"?>
 <p:sld xmlns:a="http://schemas.openxmlformats.org/drawingml/2006/main" xmlns:r="http://schemas.openxmlformats.org/officeDocument/2006/relationships" xmlns:p="http://schemas.openxmlformats.org/presentationml/2006/main">
   <p:cSld>
     <p:bg>
@@ -6419,10 +6657,10 @@
           <p:cNvPr id="9" name="Rectangle 8">
             <a:extLst>
               <a:ext uri="{FF2B5EF4-FFF2-40B4-BE49-F238E27FC236}">
-                <a16:creationId xmlns:a16="http://schemas.microsoft.com/office/drawing/2014/main" xmlns="" id="{879A26B8-6C4E-452B-ADD3-ED324A7AB7E8}"/>
+                <a16:creationId xmlns="" xmlns:a16="http://schemas.microsoft.com/office/drawing/2014/main" id="{879A26B8-6C4E-452B-ADD3-ED324A7AB7E8}"/>
               </a:ext>
               <a:ext uri="{C183D7F6-B498-43B3-948B-1728B52AA6E4}">
-                <adec:decorative xmlns:adec="http://schemas.microsoft.com/office/drawing/2017/decorative" xmlns="" val="1"/>
+                <adec:decorative xmlns="" xmlns:adec="http://schemas.microsoft.com/office/drawing/2017/decorative" val="1"/>
               </a:ext>
             </a:extLst>
           </p:cNvPr>
@@ -6432,7 +6670,7 @@
           <p:nvPr>
             <p:extLst>
               <p:ext uri="{386F3935-93C4-4BCD-93E2-E3B085C9AB24}">
-                <p16:designElem xmlns:p16="http://schemas.microsoft.com/office/powerpoint/2015/main" xmlns="" val="1"/>
+                <p16:designElem xmlns="" xmlns:p16="http://schemas.microsoft.com/office/powerpoint/2015/main" val="1"/>
               </p:ext>
             </p:extLst>
           </p:nvPr>
@@ -6482,10 +6720,10 @@
           <p:cNvPr id="11" name="Rectangle 10">
             <a:extLst>
               <a:ext uri="{FF2B5EF4-FFF2-40B4-BE49-F238E27FC236}">
-                <a16:creationId xmlns:a16="http://schemas.microsoft.com/office/drawing/2014/main" xmlns="" id="{9B4167E1-E2B0-4192-8DA2-6967DDFF87A5}"/>
+                <a16:creationId xmlns="" xmlns:a16="http://schemas.microsoft.com/office/drawing/2014/main" id="{9B4167E1-E2B0-4192-8DA2-6967DDFF87A5}"/>
               </a:ext>
               <a:ext uri="{C183D7F6-B498-43B3-948B-1728B52AA6E4}">
-                <adec:decorative xmlns:adec="http://schemas.microsoft.com/office/drawing/2017/decorative" xmlns="" val="1"/>
+                <adec:decorative xmlns="" xmlns:adec="http://schemas.microsoft.com/office/drawing/2017/decorative" val="1"/>
               </a:ext>
             </a:extLst>
           </p:cNvPr>
@@ -6495,7 +6733,7 @@
           <p:nvPr>
             <p:extLst>
               <p:ext uri="{386F3935-93C4-4BCD-93E2-E3B085C9AB24}">
-                <p16:designElem xmlns:p16="http://schemas.microsoft.com/office/powerpoint/2015/main" xmlns="" val="1"/>
+                <p16:designElem xmlns="" xmlns:p16="http://schemas.microsoft.com/office/powerpoint/2015/main" val="1"/>
               </p:ext>
             </p:extLst>
           </p:nvPr>
@@ -6569,10 +6807,10 @@
           <p:cNvPr id="13" name="Rectangle 12">
             <a:extLst>
               <a:ext uri="{FF2B5EF4-FFF2-40B4-BE49-F238E27FC236}">
-                <a16:creationId xmlns:a16="http://schemas.microsoft.com/office/drawing/2014/main" xmlns="" id="{D03E4FEE-2E6A-44AB-B6BA-C1AD0CD6D93B}"/>
+                <a16:creationId xmlns="" xmlns:a16="http://schemas.microsoft.com/office/drawing/2014/main" id="{D03E4FEE-2E6A-44AB-B6BA-C1AD0CD6D93B}"/>
               </a:ext>
               <a:ext uri="{C183D7F6-B498-43B3-948B-1728B52AA6E4}">
-                <adec:decorative xmlns:adec="http://schemas.microsoft.com/office/drawing/2017/decorative" xmlns="" val="1"/>
+                <adec:decorative xmlns="" xmlns:adec="http://schemas.microsoft.com/office/drawing/2017/decorative" val="1"/>
               </a:ext>
             </a:extLst>
           </p:cNvPr>
@@ -6582,7 +6820,7 @@
           <p:nvPr>
             <p:extLst>
               <p:ext uri="{386F3935-93C4-4BCD-93E2-E3B085C9AB24}">
-                <p16:designElem xmlns:p16="http://schemas.microsoft.com/office/powerpoint/2015/main" xmlns="" val="1"/>
+                <p16:designElem xmlns="" xmlns:p16="http://schemas.microsoft.com/office/powerpoint/2015/main" val="1"/>
               </p:ext>
             </p:extLst>
           </p:nvPr>
@@ -6623,10 +6861,10 @@
           <p:cNvPr id="15" name="Rectangle 14">
             <a:extLst>
               <a:ext uri="{FF2B5EF4-FFF2-40B4-BE49-F238E27FC236}">
-                <a16:creationId xmlns:a16="http://schemas.microsoft.com/office/drawing/2014/main" xmlns="" id="{0817EB59-13B3-43DA-9B91-A7CC174A6069}"/>
+                <a16:creationId xmlns="" xmlns:a16="http://schemas.microsoft.com/office/drawing/2014/main" id="{0817EB59-13B3-43DA-9B91-A7CC174A6069}"/>
               </a:ext>
               <a:ext uri="{C183D7F6-B498-43B3-948B-1728B52AA6E4}">
-                <adec:decorative xmlns:adec="http://schemas.microsoft.com/office/drawing/2017/decorative" xmlns="" val="1"/>
+                <adec:decorative xmlns="" xmlns:adec="http://schemas.microsoft.com/office/drawing/2017/decorative" val="1"/>
               </a:ext>
             </a:extLst>
           </p:cNvPr>
@@ -6636,7 +6874,7 @@
           <p:nvPr>
             <p:extLst>
               <p:ext uri="{386F3935-93C4-4BCD-93E2-E3B085C9AB24}">
-                <p16:designElem xmlns:p16="http://schemas.microsoft.com/office/powerpoint/2015/main" xmlns="" val="1"/>
+                <p16:designElem xmlns="" xmlns:p16="http://schemas.microsoft.com/office/powerpoint/2015/main" val="1"/>
               </p:ext>
             </p:extLst>
           </p:nvPr>
@@ -6823,10 +7061,77 @@
       </p:sp>
       <p:pic>
         <p:nvPicPr>
+          <p:cNvPr id="5" name="Picture 4"/>
+          <p:cNvPicPr>
+            <a:picLocks noChangeAspect="1"/>
+          </p:cNvPicPr>
+          <p:nvPr/>
+        </p:nvPicPr>
+        <p:blipFill>
+          <a:blip r:embed="rId2">
+            <a:extLst>
+              <a:ext uri="{28A0092B-C50C-407E-A947-70E740481C1C}">
+                <a14:useLocalDpi xmlns:a14="http://schemas.microsoft.com/office/drawing/2010/main" val="0"/>
+              </a:ext>
+            </a:extLst>
+          </a:blip>
+          <a:stretch>
+            <a:fillRect/>
+          </a:stretch>
+        </p:blipFill>
+        <p:spPr>
+          <a:xfrm>
+            <a:off x="6690878" y="922659"/>
+            <a:ext cx="5198569" cy="5303520"/>
+          </a:xfrm>
+          <a:prstGeom prst="rect">
+            <a:avLst/>
+          </a:prstGeom>
+        </p:spPr>
+      </p:pic>
+    </p:spTree>
+    <p:extLst>
+      <p:ext uri="{BB962C8B-B14F-4D97-AF65-F5344CB8AC3E}">
+        <p14:creationId xmlns:p14="http://schemas.microsoft.com/office/powerpoint/2010/main" val="276768033"/>
+      </p:ext>
+    </p:extLst>
+  </p:cSld>
+  <p:clrMapOvr>
+    <a:overrideClrMapping bg1="dk1" tx1="lt1" bg2="dk2" tx2="lt2" accent1="accent1" accent2="accent2" accent3="accent3" accent4="accent4" accent5="accent5" accent6="accent6" hlink="hlink" folHlink="folHlink"/>
+  </p:clrMapOvr>
+  <p:timing>
+    <p:tnLst>
+      <p:par>
+        <p:cTn id="1" dur="indefinite" restart="never" nodeType="tmRoot"/>
+      </p:par>
+    </p:tnLst>
+  </p:timing>
+</p:sld>
+</file>
+
+<file path=ppt/slides/slide24.xml><?xml version="1.0" encoding="utf-8"?>
+<p:sld xmlns:a="http://schemas.openxmlformats.org/drawingml/2006/main" xmlns:r="http://schemas.openxmlformats.org/officeDocument/2006/relationships" xmlns:p="http://schemas.openxmlformats.org/presentationml/2006/main">
+  <p:cSld>
+    <p:spTree>
+      <p:nvGrpSpPr>
+        <p:cNvPr id="1" name=""/>
+        <p:cNvGrpSpPr/>
+        <p:nvPr/>
+      </p:nvGrpSpPr>
+      <p:grpSpPr>
+        <a:xfrm>
+          <a:off x="0" y="0"/>
+          <a:ext cx="0" cy="0"/>
+          <a:chOff x="0" y="0"/>
+          <a:chExt cx="0" cy="0"/>
+        </a:xfrm>
+      </p:grpSpPr>
+      <p:pic>
+        <p:nvPicPr>
           <p:cNvPr id="4" name="Picture 4" descr="A close up of a device&#10;&#10;Description generated with high confidence">
             <a:extLst>
               <a:ext uri="{FF2B5EF4-FFF2-40B4-BE49-F238E27FC236}">
-                <a16:creationId xmlns:a16="http://schemas.microsoft.com/office/drawing/2014/main" xmlns="" id="{2ABB0C8E-5090-46C7-A207-3F4D5DBADF7E}"/>
+                <a16:creationId xmlns="" xmlns:a16="http://schemas.microsoft.com/office/drawing/2014/main" id="{2ABB0C8E-5090-46C7-A207-3F4D5DBADF7E}"/>
               </a:ext>
             </a:extLst>
           </p:cNvPr>
@@ -6843,8 +7148,8 @@
         </p:blipFill>
         <p:spPr>
           <a:xfrm>
-            <a:off x="6774692" y="960723"/>
-            <a:ext cx="3852425" cy="5443072"/>
+            <a:off x="3437752" y="905255"/>
+            <a:ext cx="3996319" cy="5646380"/>
           </a:xfrm>
           <a:prstGeom prst="rect">
             <a:avLst/>
@@ -6854,17 +7159,17 @@
     </p:spTree>
     <p:extLst>
       <p:ext uri="{BB962C8B-B14F-4D97-AF65-F5344CB8AC3E}">
-        <p14:creationId xmlns:p14="http://schemas.microsoft.com/office/powerpoint/2010/main" val="276768033"/>
+        <p14:creationId xmlns:p14="http://schemas.microsoft.com/office/powerpoint/2010/main" val="361504987"/>
       </p:ext>
     </p:extLst>
   </p:cSld>
   <p:clrMapOvr>
-    <a:overrideClrMapping bg1="dk1" tx1="lt1" bg2="dk2" tx2="lt2" accent1="accent1" accent2="accent2" accent3="accent3" accent4="accent4" accent5="accent5" accent6="accent6" hlink="hlink" folHlink="folHlink"/>
+    <a:masterClrMapping/>
   </p:clrMapOvr>
 </p:sld>
 </file>
 
-<file path=ppt/slides/slide23.xml><?xml version="1.0" encoding="utf-8"?>
+<file path=ppt/slides/slide25.xml><?xml version="1.0" encoding="utf-8"?>
 <p:sld xmlns:a="http://schemas.openxmlformats.org/drawingml/2006/main" xmlns:r="http://schemas.openxmlformats.org/officeDocument/2006/relationships" xmlns:p="http://schemas.openxmlformats.org/presentationml/2006/main">
   <p:cSld>
     <p:bg>
@@ -6894,10 +7199,10 @@
           <p:cNvPr id="6" name="Rectangle 8">
             <a:extLst>
               <a:ext uri="{FF2B5EF4-FFF2-40B4-BE49-F238E27FC236}">
-                <a16:creationId xmlns:a16="http://schemas.microsoft.com/office/drawing/2014/main" xmlns="" id="{879A26B8-6C4E-452B-ADD3-ED324A7AB7E8}"/>
+                <a16:creationId xmlns="" xmlns:a16="http://schemas.microsoft.com/office/drawing/2014/main" id="{879A26B8-6C4E-452B-ADD3-ED324A7AB7E8}"/>
               </a:ext>
               <a:ext uri="{C183D7F6-B498-43B3-948B-1728B52AA6E4}">
-                <adec:decorative xmlns:adec="http://schemas.microsoft.com/office/drawing/2017/decorative" xmlns="" val="1"/>
+                <adec:decorative xmlns="" xmlns:adec="http://schemas.microsoft.com/office/drawing/2017/decorative" val="1"/>
               </a:ext>
             </a:extLst>
           </p:cNvPr>
@@ -6907,7 +7212,7 @@
           <p:nvPr>
             <p:extLst>
               <p:ext uri="{386F3935-93C4-4BCD-93E2-E3B085C9AB24}">
-                <p16:designElem xmlns:p16="http://schemas.microsoft.com/office/powerpoint/2015/main" xmlns="" val="1"/>
+                <p16:designElem xmlns="" xmlns:p16="http://schemas.microsoft.com/office/powerpoint/2015/main" val="1"/>
               </p:ext>
             </p:extLst>
           </p:nvPr>
@@ -6957,10 +7262,10 @@
           <p:cNvPr id="7" name="Rectangle 10">
             <a:extLst>
               <a:ext uri="{FF2B5EF4-FFF2-40B4-BE49-F238E27FC236}">
-                <a16:creationId xmlns:a16="http://schemas.microsoft.com/office/drawing/2014/main" xmlns="" id="{9B4167E1-E2B0-4192-8DA2-6967DDFF87A5}"/>
+                <a16:creationId xmlns="" xmlns:a16="http://schemas.microsoft.com/office/drawing/2014/main" id="{9B4167E1-E2B0-4192-8DA2-6967DDFF87A5}"/>
               </a:ext>
               <a:ext uri="{C183D7F6-B498-43B3-948B-1728B52AA6E4}">
-                <adec:decorative xmlns:adec="http://schemas.microsoft.com/office/drawing/2017/decorative" xmlns="" val="1"/>
+                <adec:decorative xmlns="" xmlns:adec="http://schemas.microsoft.com/office/drawing/2017/decorative" val="1"/>
               </a:ext>
             </a:extLst>
           </p:cNvPr>
@@ -6970,7 +7275,7 @@
           <p:nvPr>
             <p:extLst>
               <p:ext uri="{386F3935-93C4-4BCD-93E2-E3B085C9AB24}">
-                <p16:designElem xmlns:p16="http://schemas.microsoft.com/office/powerpoint/2015/main" xmlns="" val="1"/>
+                <p16:designElem xmlns="" xmlns:p16="http://schemas.microsoft.com/office/powerpoint/2015/main" val="1"/>
               </p:ext>
             </p:extLst>
           </p:nvPr>
@@ -7044,10 +7349,10 @@
           <p:cNvPr id="8" name="Rectangle 12">
             <a:extLst>
               <a:ext uri="{FF2B5EF4-FFF2-40B4-BE49-F238E27FC236}">
-                <a16:creationId xmlns:a16="http://schemas.microsoft.com/office/drawing/2014/main" xmlns="" id="{D03E4FEE-2E6A-44AB-B6BA-C1AD0CD6D93B}"/>
+                <a16:creationId xmlns="" xmlns:a16="http://schemas.microsoft.com/office/drawing/2014/main" id="{D03E4FEE-2E6A-44AB-B6BA-C1AD0CD6D93B}"/>
               </a:ext>
               <a:ext uri="{C183D7F6-B498-43B3-948B-1728B52AA6E4}">
-                <adec:decorative xmlns:adec="http://schemas.microsoft.com/office/drawing/2017/decorative" xmlns="" val="1"/>
+                <adec:decorative xmlns="" xmlns:adec="http://schemas.microsoft.com/office/drawing/2017/decorative" val="1"/>
               </a:ext>
             </a:extLst>
           </p:cNvPr>
@@ -7057,7 +7362,7 @@
           <p:nvPr>
             <p:extLst>
               <p:ext uri="{386F3935-93C4-4BCD-93E2-E3B085C9AB24}">
-                <p16:designElem xmlns:p16="http://schemas.microsoft.com/office/powerpoint/2015/main" xmlns="" val="1"/>
+                <p16:designElem xmlns="" xmlns:p16="http://schemas.microsoft.com/office/powerpoint/2015/main" val="1"/>
               </p:ext>
             </p:extLst>
           </p:nvPr>
@@ -7098,10 +7403,10 @@
           <p:cNvPr id="15" name="Rectangle 14">
             <a:extLst>
               <a:ext uri="{FF2B5EF4-FFF2-40B4-BE49-F238E27FC236}">
-                <a16:creationId xmlns:a16="http://schemas.microsoft.com/office/drawing/2014/main" xmlns="" id="{0817EB59-13B3-43DA-9B91-A7CC174A6069}"/>
+                <a16:creationId xmlns="" xmlns:a16="http://schemas.microsoft.com/office/drawing/2014/main" id="{0817EB59-13B3-43DA-9B91-A7CC174A6069}"/>
               </a:ext>
               <a:ext uri="{C183D7F6-B498-43B3-948B-1728B52AA6E4}">
-                <adec:decorative xmlns:adec="http://schemas.microsoft.com/office/drawing/2017/decorative" xmlns="" val="1"/>
+                <adec:decorative xmlns="" xmlns:adec="http://schemas.microsoft.com/office/drawing/2017/decorative" val="1"/>
               </a:ext>
             </a:extLst>
           </p:cNvPr>
@@ -7111,7 +7416,7 @@
           <p:nvPr>
             <p:extLst>
               <p:ext uri="{386F3935-93C4-4BCD-93E2-E3B085C9AB24}">
-                <p16:designElem xmlns:p16="http://schemas.microsoft.com/office/powerpoint/2015/main" xmlns="" val="1"/>
+                <p16:designElem xmlns="" xmlns:p16="http://schemas.microsoft.com/office/powerpoint/2015/main" val="1"/>
               </p:ext>
             </p:extLst>
           </p:nvPr>
@@ -7238,7 +7543,7 @@
           <p:cNvPr id="4" name="Picture 4" descr="A screenshot of a cell phone&#10;&#10;Description generated with very high confidence">
             <a:extLst>
               <a:ext uri="{FF2B5EF4-FFF2-40B4-BE49-F238E27FC236}">
-                <a16:creationId xmlns:a16="http://schemas.microsoft.com/office/drawing/2014/main" xmlns="" id="{0C45412D-8E39-48D0-AFF4-CE5E7970BCA7}"/>
+                <a16:creationId xmlns="" xmlns:a16="http://schemas.microsoft.com/office/drawing/2014/main" id="{0C45412D-8E39-48D0-AFF4-CE5E7970BCA7}"/>
               </a:ext>
             </a:extLst>
           </p:cNvPr>
@@ -7273,10 +7578,17 @@
   <p:clrMapOvr>
     <a:overrideClrMapping bg1="dk1" tx1="lt1" bg2="dk2" tx2="lt2" accent1="accent1" accent2="accent2" accent3="accent3" accent4="accent4" accent5="accent5" accent6="accent6" hlink="hlink" folHlink="folHlink"/>
   </p:clrMapOvr>
+  <p:timing>
+    <p:tnLst>
+      <p:par>
+        <p:cTn id="1" dur="indefinite" restart="never" nodeType="tmRoot"/>
+      </p:par>
+    </p:tnLst>
+  </p:timing>
 </p:sld>
 </file>
 
-<file path=ppt/slides/slide24.xml><?xml version="1.0" encoding="utf-8"?>
+<file path=ppt/slides/slide26.xml><?xml version="1.0" encoding="utf-8"?>
 <p:sld xmlns:a="http://schemas.openxmlformats.org/drawingml/2006/main" xmlns:r="http://schemas.openxmlformats.org/officeDocument/2006/relationships" xmlns:p="http://schemas.openxmlformats.org/presentationml/2006/main">
   <p:cSld>
     <p:spTree>
@@ -7332,10 +7644,17 @@
   <p:clrMapOvr>
     <a:masterClrMapping/>
   </p:clrMapOvr>
+  <p:timing>
+    <p:tnLst>
+      <p:par>
+        <p:cTn id="1" dur="indefinite" restart="never" nodeType="tmRoot"/>
+      </p:par>
+    </p:tnLst>
+  </p:timing>
 </p:sld>
 </file>
 
-<file path=ppt/slides/slide25.xml><?xml version="1.0" encoding="utf-8"?>
+<file path=ppt/slides/slide27.xml><?xml version="1.0" encoding="utf-8"?>
 <p:sld xmlns:a="http://schemas.openxmlformats.org/drawingml/2006/main" xmlns:r="http://schemas.openxmlformats.org/officeDocument/2006/relationships" xmlns:p="http://schemas.openxmlformats.org/presentationml/2006/main">
   <p:cSld>
     <p:spTree>
@@ -7426,10 +7745,17 @@
   <p:clrMapOvr>
     <a:masterClrMapping/>
   </p:clrMapOvr>
+  <p:timing>
+    <p:tnLst>
+      <p:par>
+        <p:cTn id="1" dur="indefinite" restart="never" nodeType="tmRoot"/>
+      </p:par>
+    </p:tnLst>
+  </p:timing>
 </p:sld>
 </file>
 
-<file path=ppt/slides/slide26.xml><?xml version="1.0" encoding="utf-8"?>
+<file path=ppt/slides/slide28.xml><?xml version="1.0" encoding="utf-8"?>
 <p:sld xmlns:a="http://schemas.openxmlformats.org/drawingml/2006/main" xmlns:r="http://schemas.openxmlformats.org/officeDocument/2006/relationships" xmlns:p="http://schemas.openxmlformats.org/presentationml/2006/main">
   <p:cSld>
     <p:spTree>
@@ -7508,10 +7834,17 @@
   <p:clrMapOvr>
     <a:masterClrMapping/>
   </p:clrMapOvr>
+  <p:timing>
+    <p:tnLst>
+      <p:par>
+        <p:cTn id="1" dur="indefinite" restart="never" nodeType="tmRoot"/>
+      </p:par>
+    </p:tnLst>
+  </p:timing>
 </p:sld>
 </file>
 
-<file path=ppt/slides/slide27.xml><?xml version="1.0" encoding="utf-8"?>
+<file path=ppt/slides/slide29.xml><?xml version="1.0" encoding="utf-8"?>
 <p:sld xmlns:a="http://schemas.openxmlformats.org/drawingml/2006/main" xmlns:r="http://schemas.openxmlformats.org/officeDocument/2006/relationships" xmlns:p="http://schemas.openxmlformats.org/presentationml/2006/main">
   <p:cSld>
     <p:bg>
@@ -7574,10 +7907,10 @@
           <p:cNvPr id="9" name="Rectangle 8">
             <a:extLst>
               <a:ext uri="{FF2B5EF4-FFF2-40B4-BE49-F238E27FC236}">
-                <a16:creationId xmlns:a16="http://schemas.microsoft.com/office/drawing/2014/main" xmlns="" id="{9E661D03-4DD4-45E7-A047-ED722E826D59}"/>
+                <a16:creationId xmlns="" xmlns:a16="http://schemas.microsoft.com/office/drawing/2014/main" id="{9E661D03-4DD4-45E7-A047-ED722E826D59}"/>
               </a:ext>
               <a:ext uri="{C183D7F6-B498-43B3-948B-1728B52AA6E4}">
-                <adec:decorative xmlns:adec="http://schemas.microsoft.com/office/drawing/2017/decorative" xmlns="" val="1"/>
+                <adec:decorative xmlns="" xmlns:adec="http://schemas.microsoft.com/office/drawing/2017/decorative" val="1"/>
               </a:ext>
             </a:extLst>
           </p:cNvPr>
@@ -7587,7 +7920,7 @@
           <p:nvPr>
             <p:extLst>
               <p:ext uri="{386F3935-93C4-4BCD-93E2-E3B085C9AB24}">
-                <p16:designElem xmlns:p16="http://schemas.microsoft.com/office/powerpoint/2015/main" xmlns="" val="1"/>
+                <p16:designElem xmlns="" xmlns:p16="http://schemas.microsoft.com/office/powerpoint/2015/main" val="1"/>
               </p:ext>
             </p:extLst>
           </p:nvPr>
@@ -7636,7 +7969,7 @@
           <p:cNvPr id="4" name="Picture 4" descr="A screenshot of a cell phone&#10;&#10;Description generated with very high confidence">
             <a:extLst>
               <a:ext uri="{FF2B5EF4-FFF2-40B4-BE49-F238E27FC236}">
-                <a16:creationId xmlns:a16="http://schemas.microsoft.com/office/drawing/2014/main" xmlns="" id="{83EE6FCD-BABA-4E74-8666-1FD3B29B99ED}"/>
+                <a16:creationId xmlns="" xmlns:a16="http://schemas.microsoft.com/office/drawing/2014/main" id="{83EE6FCD-BABA-4E74-8666-1FD3B29B99ED}"/>
               </a:ext>
             </a:extLst>
           </p:cNvPr>
@@ -7764,10 +8097,17 @@
   <p:clrMapOvr>
     <a:masterClrMapping/>
   </p:clrMapOvr>
+  <p:timing>
+    <p:tnLst>
+      <p:par>
+        <p:cTn id="1" dur="indefinite" restart="never" nodeType="tmRoot"/>
+      </p:par>
+    </p:tnLst>
+  </p:timing>
 </p:sld>
 </file>
 
-<file path=ppt/slides/slide28.xml><?xml version="1.0" encoding="utf-8"?>
+<file path=ppt/slides/slide3.xml><?xml version="1.0" encoding="utf-8"?>
 <p:sld xmlns:a="http://schemas.openxmlformats.org/drawingml/2006/main" xmlns:r="http://schemas.openxmlformats.org/officeDocument/2006/relationships" xmlns:p="http://schemas.openxmlformats.org/presentationml/2006/main">
   <p:cSld>
     <p:spTree>
@@ -7801,6 +8141,122 @@
           <a:p>
             <a:r>
               <a:rPr lang="en-IN"/>
+              <a:t>Introduction</a:t>
+            </a:r>
+          </a:p>
+        </p:txBody>
+      </p:sp>
+      <p:sp>
+        <p:nvSpPr>
+          <p:cNvPr id="3" name="Content Placeholder 2"/>
+          <p:cNvSpPr>
+            <a:spLocks noGrp="1"/>
+          </p:cNvSpPr>
+          <p:nvPr>
+            <p:ph idx="1"/>
+          </p:nvPr>
+        </p:nvSpPr>
+        <p:spPr/>
+        <p:txBody>
+          <a:bodyPr/>
+          <a:lstStyle/>
+          <a:p>
+            <a:pPr marL="0" indent="0" algn="ctr">
+              <a:spcBef>
+                <a:spcPts val="0"/>
+              </a:spcBef>
+              <a:spcAft>
+                <a:spcPts val="0"/>
+              </a:spcAft>
+              <a:buNone/>
+            </a:pPr>
+            <a:r>
+              <a:rPr lang="en-US" sz="2000">
+                <a:ea typeface="+mn-lt"/>
+                <a:cs typeface="+mn-lt"/>
+              </a:rPr>
+              <a:t>In this short presentation, we would like to talk about and explore the various ways popular machine learning algorithms can help us extract useful and actionable data from seemingly ordinary datasets with its implementation.</a:t>
+            </a:r>
+            <a:endParaRPr lang="en-US" sz="2000"/>
+          </a:p>
+          <a:p>
+            <a:pPr marL="0" indent="0" algn="ctr">
+              <a:spcBef>
+                <a:spcPts val="0"/>
+              </a:spcBef>
+              <a:spcAft>
+                <a:spcPts val="0"/>
+              </a:spcAft>
+              <a:buNone/>
+            </a:pPr>
+            <a:r>
+              <a:rPr lang="en-US" sz="2000">
+                <a:ea typeface="+mn-lt"/>
+                <a:cs typeface="+mn-lt"/>
+              </a:rPr>
+              <a:t>We would also explore some popular machine learning algorithms and how they work.</a:t>
+            </a:r>
+          </a:p>
+          <a:p>
+            <a:pPr marL="305435" indent="-305435"/>
+            <a:endParaRPr lang="en-IN" sz="2000"/>
+          </a:p>
+        </p:txBody>
+      </p:sp>
+    </p:spTree>
+    <p:extLst>
+      <p:ext uri="{BB962C8B-B14F-4D97-AF65-F5344CB8AC3E}">
+        <p14:creationId xmlns:p14="http://schemas.microsoft.com/office/powerpoint/2010/main" val="1707643654"/>
+      </p:ext>
+    </p:extLst>
+  </p:cSld>
+  <p:clrMapOvr>
+    <a:masterClrMapping/>
+  </p:clrMapOvr>
+  <p:timing>
+    <p:tnLst>
+      <p:par>
+        <p:cTn id="1" dur="indefinite" restart="never" nodeType="tmRoot"/>
+      </p:par>
+    </p:tnLst>
+  </p:timing>
+</p:sld>
+</file>
+
+<file path=ppt/slides/slide30.xml><?xml version="1.0" encoding="utf-8"?>
+<p:sld xmlns:a="http://schemas.openxmlformats.org/drawingml/2006/main" xmlns:r="http://schemas.openxmlformats.org/officeDocument/2006/relationships" xmlns:p="http://schemas.openxmlformats.org/presentationml/2006/main">
+  <p:cSld>
+    <p:spTree>
+      <p:nvGrpSpPr>
+        <p:cNvPr id="1" name=""/>
+        <p:cNvGrpSpPr/>
+        <p:nvPr/>
+      </p:nvGrpSpPr>
+      <p:grpSpPr>
+        <a:xfrm>
+          <a:off x="0" y="0"/>
+          <a:ext cx="0" cy="0"/>
+          <a:chOff x="0" y="0"/>
+          <a:chExt cx="0" cy="0"/>
+        </a:xfrm>
+      </p:grpSpPr>
+      <p:sp>
+        <p:nvSpPr>
+          <p:cNvPr id="2" name="Title 1"/>
+          <p:cNvSpPr>
+            <a:spLocks noGrp="1"/>
+          </p:cNvSpPr>
+          <p:nvPr>
+            <p:ph type="title"/>
+          </p:nvPr>
+        </p:nvSpPr>
+        <p:spPr/>
+        <p:txBody>
+          <a:bodyPr/>
+          <a:lstStyle/>
+          <a:p>
+            <a:r>
+              <a:rPr lang="en-IN"/>
               <a:t>Comparative Study</a:t>
             </a:r>
           </a:p>
@@ -7811,7 +8267,7 @@
           <p:cNvPr id="7" name="Picture 7" descr="A screenshot of a cell phone&#10;&#10;Description generated with very high confidence">
             <a:extLst>
               <a:ext uri="{FF2B5EF4-FFF2-40B4-BE49-F238E27FC236}">
-                <a16:creationId xmlns:a16="http://schemas.microsoft.com/office/drawing/2014/main" xmlns="" id="{1AB1B163-FFF9-4BDE-9CEE-C1C77A87A791}"/>
+                <a16:creationId xmlns="" xmlns:a16="http://schemas.microsoft.com/office/drawing/2014/main" id="{1AB1B163-FFF9-4BDE-9CEE-C1C77A87A791}"/>
               </a:ext>
             </a:extLst>
           </p:cNvPr>
@@ -7845,349 +8301,13 @@
   <p:clrMapOvr>
     <a:masterClrMapping/>
   </p:clrMapOvr>
-</p:sld>
-</file>
-
-<file path=ppt/slides/slide29.xml><?xml version="1.0" encoding="utf-8"?>
-<p:sld xmlns:a="http://schemas.openxmlformats.org/drawingml/2006/main" xmlns:r="http://schemas.openxmlformats.org/officeDocument/2006/relationships" xmlns:p="http://schemas.openxmlformats.org/presentationml/2006/main">
-  <p:cSld>
-    <p:spTree>
-      <p:nvGrpSpPr>
-        <p:cNvPr id="1" name=""/>
-        <p:cNvGrpSpPr/>
-        <p:nvPr/>
-      </p:nvGrpSpPr>
-      <p:grpSpPr>
-        <a:xfrm>
-          <a:off x="0" y="0"/>
-          <a:ext cx="0" cy="0"/>
-          <a:chOff x="0" y="0"/>
-          <a:chExt cx="0" cy="0"/>
-        </a:xfrm>
-      </p:grpSpPr>
-      <p:sp>
-        <p:nvSpPr>
-          <p:cNvPr id="2" name="Title 1"/>
-          <p:cNvSpPr>
-            <a:spLocks noGrp="1"/>
-          </p:cNvSpPr>
-          <p:nvPr>
-            <p:ph type="title"/>
-          </p:nvPr>
-        </p:nvSpPr>
-        <p:spPr/>
-        <p:txBody>
-          <a:bodyPr/>
-          <a:lstStyle/>
-          <a:p>
-            <a:r>
-              <a:rPr lang="en-IN"/>
-              <a:t>CONCLUSION</a:t>
-            </a:r>
-          </a:p>
-        </p:txBody>
-      </p:sp>
-      <p:sp>
-        <p:nvSpPr>
-          <p:cNvPr id="3" name="Content Placeholder 2"/>
-          <p:cNvSpPr>
-            <a:spLocks noGrp="1"/>
-          </p:cNvSpPr>
-          <p:nvPr>
-            <p:ph idx="1"/>
-          </p:nvPr>
-        </p:nvSpPr>
-        <p:spPr/>
-        <p:txBody>
-          <a:bodyPr/>
-          <a:lstStyle/>
-          <a:p>
-            <a:pPr marL="305435" indent="-305435" algn="ctr">
-              <a:spcBef>
-                <a:spcPts val="0"/>
-              </a:spcBef>
-              <a:spcAft>
-                <a:spcPts val="0"/>
-              </a:spcAft>
-            </a:pPr>
-            <a:r>
-              <a:rPr lang="en-US" sz="2000">
-                <a:latin typeface="Calibri"/>
-                <a:cs typeface="Calibri"/>
-              </a:rPr>
-              <a:t>As we can observe, there is plenty of scope in the field of Bio-Medical Informatics for us, as budding Computer Science students to explore and implement ground-breaking algorithms &amp; machine learning pipelines to extract meaningful inferences that can directly help people. </a:t>
-            </a:r>
-            <a:endParaRPr lang="en-US" sz="2000">
-              <a:ea typeface="+mn-lt"/>
-              <a:cs typeface="+mn-lt"/>
-            </a:endParaRPr>
-          </a:p>
-          <a:p>
-            <a:pPr marL="0" indent="0" algn="ctr">
-              <a:spcBef>
-                <a:spcPts val="0"/>
-              </a:spcBef>
-              <a:spcAft>
-                <a:spcPts val="0"/>
-              </a:spcAft>
-              <a:buNone/>
-            </a:pPr>
-            <a:r>
-              <a:rPr lang="en-US" sz="2000">
-                <a:ea typeface="+mn-lt"/>
-                <a:cs typeface="+mn-lt"/>
-              </a:rPr>
-              <a:t>It is our conviction that we would contribute to this ever-growing field and improve our initial understandings.</a:t>
-            </a:r>
-          </a:p>
-          <a:p>
-            <a:pPr marL="305435" indent="-305435"/>
-            <a:endParaRPr lang="en-IN" dirty="0"/>
-          </a:p>
-        </p:txBody>
-      </p:sp>
-    </p:spTree>
-    <p:extLst>
-      <p:ext uri="{BB962C8B-B14F-4D97-AF65-F5344CB8AC3E}">
-        <p14:creationId xmlns:p14="http://schemas.microsoft.com/office/powerpoint/2010/main" val="2318599544"/>
-      </p:ext>
-    </p:extLst>
-  </p:cSld>
-  <p:clrMapOvr>
-    <a:masterClrMapping/>
-  </p:clrMapOvr>
-</p:sld>
-</file>
-
-<file path=ppt/slides/slide3.xml><?xml version="1.0" encoding="utf-8"?>
-<p:sld xmlns:a="http://schemas.openxmlformats.org/drawingml/2006/main" xmlns:r="http://schemas.openxmlformats.org/officeDocument/2006/relationships" xmlns:p="http://schemas.openxmlformats.org/presentationml/2006/main">
-  <p:cSld>
-    <p:spTree>
-      <p:nvGrpSpPr>
-        <p:cNvPr id="1" name=""/>
-        <p:cNvGrpSpPr/>
-        <p:nvPr/>
-      </p:nvGrpSpPr>
-      <p:grpSpPr>
-        <a:xfrm>
-          <a:off x="0" y="0"/>
-          <a:ext cx="0" cy="0"/>
-          <a:chOff x="0" y="0"/>
-          <a:chExt cx="0" cy="0"/>
-        </a:xfrm>
-      </p:grpSpPr>
-      <p:sp>
-        <p:nvSpPr>
-          <p:cNvPr id="2" name="Title 1"/>
-          <p:cNvSpPr>
-            <a:spLocks noGrp="1"/>
-          </p:cNvSpPr>
-          <p:nvPr>
-            <p:ph type="title"/>
-          </p:nvPr>
-        </p:nvSpPr>
-        <p:spPr/>
-        <p:txBody>
-          <a:bodyPr/>
-          <a:lstStyle/>
-          <a:p>
-            <a:r>
-              <a:rPr lang="en-IN"/>
-              <a:t>Introduction</a:t>
-            </a:r>
-          </a:p>
-        </p:txBody>
-      </p:sp>
-      <p:sp>
-        <p:nvSpPr>
-          <p:cNvPr id="3" name="Content Placeholder 2"/>
-          <p:cNvSpPr>
-            <a:spLocks noGrp="1"/>
-          </p:cNvSpPr>
-          <p:nvPr>
-            <p:ph idx="1"/>
-          </p:nvPr>
-        </p:nvSpPr>
-        <p:spPr/>
-        <p:txBody>
-          <a:bodyPr/>
-          <a:lstStyle/>
-          <a:p>
-            <a:pPr marL="0" indent="0" algn="ctr">
-              <a:spcBef>
-                <a:spcPts val="0"/>
-              </a:spcBef>
-              <a:spcAft>
-                <a:spcPts val="0"/>
-              </a:spcAft>
-              <a:buNone/>
-            </a:pPr>
-            <a:r>
-              <a:rPr lang="en-US" sz="2000">
-                <a:ea typeface="+mn-lt"/>
-                <a:cs typeface="+mn-lt"/>
-              </a:rPr>
-              <a:t>In this short presentation, we would like to talk about and explore the various ways popular machine learning algorithms can help us extract useful and actionable data from seemingly ordinary datasets with its implementation.</a:t>
-            </a:r>
-            <a:endParaRPr lang="en-US" sz="2000"/>
-          </a:p>
-          <a:p>
-            <a:pPr marL="0" indent="0" algn="ctr">
-              <a:spcBef>
-                <a:spcPts val="0"/>
-              </a:spcBef>
-              <a:spcAft>
-                <a:spcPts val="0"/>
-              </a:spcAft>
-              <a:buNone/>
-            </a:pPr>
-            <a:r>
-              <a:rPr lang="en-US" sz="2000">
-                <a:ea typeface="+mn-lt"/>
-                <a:cs typeface="+mn-lt"/>
-              </a:rPr>
-              <a:t>We would also explore some popular machine learning algorithms and how they work.</a:t>
-            </a:r>
-          </a:p>
-          <a:p>
-            <a:pPr marL="305435" indent="-305435"/>
-            <a:endParaRPr lang="en-IN" sz="2000"/>
-          </a:p>
-        </p:txBody>
-      </p:sp>
-    </p:spTree>
-    <p:extLst>
-      <p:ext uri="{BB962C8B-B14F-4D97-AF65-F5344CB8AC3E}">
-        <p14:creationId xmlns:p14="http://schemas.microsoft.com/office/powerpoint/2010/main" val="1707643654"/>
-      </p:ext>
-    </p:extLst>
-  </p:cSld>
-  <p:clrMapOvr>
-    <a:masterClrMapping/>
-  </p:clrMapOvr>
-</p:sld>
-</file>
-
-<file path=ppt/slides/slide30.xml><?xml version="1.0" encoding="utf-8"?>
-<p:sld xmlns:a="http://schemas.openxmlformats.org/drawingml/2006/main" xmlns:r="http://schemas.openxmlformats.org/officeDocument/2006/relationships" xmlns:p="http://schemas.openxmlformats.org/presentationml/2006/main">
-  <p:cSld>
-    <p:spTree>
-      <p:nvGrpSpPr>
-        <p:cNvPr id="1" name=""/>
-        <p:cNvGrpSpPr/>
-        <p:nvPr/>
-      </p:nvGrpSpPr>
-      <p:grpSpPr>
-        <a:xfrm>
-          <a:off x="0" y="0"/>
-          <a:ext cx="0" cy="0"/>
-          <a:chOff x="0" y="0"/>
-          <a:chExt cx="0" cy="0"/>
-        </a:xfrm>
-      </p:grpSpPr>
-      <p:sp>
-        <p:nvSpPr>
-          <p:cNvPr id="2" name="Title 1"/>
-          <p:cNvSpPr>
-            <a:spLocks noGrp="1"/>
-          </p:cNvSpPr>
-          <p:nvPr>
-            <p:ph type="title"/>
-          </p:nvPr>
-        </p:nvSpPr>
-        <p:spPr/>
-        <p:txBody>
-          <a:bodyPr/>
-          <a:lstStyle/>
-          <a:p>
-            <a:r>
-              <a:rPr lang="en-IN"/>
-              <a:t>Acknowledgment</a:t>
-            </a:r>
-          </a:p>
-        </p:txBody>
-      </p:sp>
-      <p:sp>
-        <p:nvSpPr>
-          <p:cNvPr id="3" name="Content Placeholder 2"/>
-          <p:cNvSpPr>
-            <a:spLocks noGrp="1"/>
-          </p:cNvSpPr>
-          <p:nvPr>
-            <p:ph idx="1"/>
-          </p:nvPr>
-        </p:nvSpPr>
-        <p:spPr/>
-        <p:txBody>
-          <a:bodyPr/>
-          <a:lstStyle/>
-          <a:p>
-            <a:pPr marL="0" indent="0" algn="ctr">
-              <a:spcBef>
-                <a:spcPts val="0"/>
-              </a:spcBef>
-              <a:spcAft>
-                <a:spcPts val="0"/>
-              </a:spcAft>
-              <a:buNone/>
-            </a:pPr>
-            <a:r>
-              <a:rPr lang="en-US" sz="2000" dirty="0">
-                <a:latin typeface="Calibri"/>
-                <a:cs typeface="Calibri"/>
-              </a:rPr>
-              <a:t>We would like to thank our mentor Mr. </a:t>
-            </a:r>
-            <a:r>
-              <a:rPr lang="en-US" sz="2000" dirty="0" err="1">
-                <a:latin typeface="Calibri"/>
-                <a:cs typeface="Calibri"/>
-              </a:rPr>
-              <a:t>Sabyasachi</a:t>
-            </a:r>
-            <a:r>
-              <a:rPr lang="en-US" sz="2000" dirty="0">
-                <a:latin typeface="Calibri"/>
-                <a:cs typeface="Calibri"/>
-              </a:rPr>
-              <a:t> Mukherjee Sir, for his continuous guidance during the preparation for this topic. </a:t>
-            </a:r>
-            <a:endParaRPr lang="en-US" sz="2000" dirty="0">
-              <a:ea typeface="+mn-lt"/>
-              <a:cs typeface="+mn-lt"/>
-            </a:endParaRPr>
-          </a:p>
-          <a:p>
-            <a:pPr marL="0" indent="0" algn="ctr">
-              <a:spcBef>
-                <a:spcPts val="0"/>
-              </a:spcBef>
-              <a:spcAft>
-                <a:spcPts val="0"/>
-              </a:spcAft>
-              <a:buNone/>
-            </a:pPr>
-            <a:r>
-              <a:rPr lang="en-US" sz="2000" dirty="0">
-                <a:latin typeface="Calibri"/>
-                <a:cs typeface="Calibri"/>
-              </a:rPr>
-              <a:t>We would like to thank the Head of Computer Science &amp; Engineering department, Dr. Monish Chatterjee for providing us with the opportunity to explore such technological fields.</a:t>
-            </a:r>
-            <a:endParaRPr lang="en-IN" sz="2000" dirty="0"/>
-          </a:p>
-        </p:txBody>
-      </p:sp>
-    </p:spTree>
-    <p:extLst>
-      <p:ext uri="{BB962C8B-B14F-4D97-AF65-F5344CB8AC3E}">
-        <p14:creationId xmlns:p14="http://schemas.microsoft.com/office/powerpoint/2010/main" val="534460931"/>
-      </p:ext>
-    </p:extLst>
-  </p:cSld>
-  <p:clrMapOvr>
-    <a:masterClrMapping/>
-  </p:clrMapOvr>
+  <p:timing>
+    <p:tnLst>
+      <p:par>
+        <p:cTn id="1" dur="indefinite" restart="never" nodeType="tmRoot"/>
+      </p:par>
+    </p:tnLst>
+  </p:timing>
 </p:sld>
 </file>
 
@@ -8225,6 +8345,254 @@
           <a:p>
             <a:r>
               <a:rPr lang="en-IN"/>
+              <a:t>CONCLUSION</a:t>
+            </a:r>
+          </a:p>
+        </p:txBody>
+      </p:sp>
+      <p:sp>
+        <p:nvSpPr>
+          <p:cNvPr id="3" name="Content Placeholder 2"/>
+          <p:cNvSpPr>
+            <a:spLocks noGrp="1"/>
+          </p:cNvSpPr>
+          <p:nvPr>
+            <p:ph idx="1"/>
+          </p:nvPr>
+        </p:nvSpPr>
+        <p:spPr/>
+        <p:txBody>
+          <a:bodyPr/>
+          <a:lstStyle/>
+          <a:p>
+            <a:pPr marL="305435" indent="-305435" algn="ctr">
+              <a:spcBef>
+                <a:spcPts val="0"/>
+              </a:spcBef>
+              <a:spcAft>
+                <a:spcPts val="0"/>
+              </a:spcAft>
+            </a:pPr>
+            <a:r>
+              <a:rPr lang="en-US" sz="2000">
+                <a:latin typeface="Calibri"/>
+                <a:cs typeface="Calibri"/>
+              </a:rPr>
+              <a:t>As we can observe, there is plenty of scope in the field of Bio-Medical Informatics for us, as budding Computer Science students to explore and implement ground-breaking algorithms &amp; machine learning pipelines to extract meaningful inferences that can directly help people. </a:t>
+            </a:r>
+            <a:endParaRPr lang="en-US" sz="2000">
+              <a:ea typeface="+mn-lt"/>
+              <a:cs typeface="+mn-lt"/>
+            </a:endParaRPr>
+          </a:p>
+          <a:p>
+            <a:pPr marL="0" indent="0" algn="ctr">
+              <a:spcBef>
+                <a:spcPts val="0"/>
+              </a:spcBef>
+              <a:spcAft>
+                <a:spcPts val="0"/>
+              </a:spcAft>
+              <a:buNone/>
+            </a:pPr>
+            <a:r>
+              <a:rPr lang="en-US" sz="2000">
+                <a:ea typeface="+mn-lt"/>
+                <a:cs typeface="+mn-lt"/>
+              </a:rPr>
+              <a:t>It is our conviction that we would contribute to this ever-growing field and improve our initial understandings.</a:t>
+            </a:r>
+          </a:p>
+          <a:p>
+            <a:pPr marL="305435" indent="-305435"/>
+            <a:endParaRPr lang="en-IN" dirty="0"/>
+          </a:p>
+        </p:txBody>
+      </p:sp>
+    </p:spTree>
+    <p:extLst>
+      <p:ext uri="{BB962C8B-B14F-4D97-AF65-F5344CB8AC3E}">
+        <p14:creationId xmlns:p14="http://schemas.microsoft.com/office/powerpoint/2010/main" val="2318599544"/>
+      </p:ext>
+    </p:extLst>
+  </p:cSld>
+  <p:clrMapOvr>
+    <a:masterClrMapping/>
+  </p:clrMapOvr>
+  <p:timing>
+    <p:tnLst>
+      <p:par>
+        <p:cTn id="1" dur="indefinite" restart="never" nodeType="tmRoot"/>
+      </p:par>
+    </p:tnLst>
+  </p:timing>
+</p:sld>
+</file>
+
+<file path=ppt/slides/slide32.xml><?xml version="1.0" encoding="utf-8"?>
+<p:sld xmlns:a="http://schemas.openxmlformats.org/drawingml/2006/main" xmlns:r="http://schemas.openxmlformats.org/officeDocument/2006/relationships" xmlns:p="http://schemas.openxmlformats.org/presentationml/2006/main">
+  <p:cSld>
+    <p:spTree>
+      <p:nvGrpSpPr>
+        <p:cNvPr id="1" name=""/>
+        <p:cNvGrpSpPr/>
+        <p:nvPr/>
+      </p:nvGrpSpPr>
+      <p:grpSpPr>
+        <a:xfrm>
+          <a:off x="0" y="0"/>
+          <a:ext cx="0" cy="0"/>
+          <a:chOff x="0" y="0"/>
+          <a:chExt cx="0" cy="0"/>
+        </a:xfrm>
+      </p:grpSpPr>
+      <p:sp>
+        <p:nvSpPr>
+          <p:cNvPr id="2" name="Title 1"/>
+          <p:cNvSpPr>
+            <a:spLocks noGrp="1"/>
+          </p:cNvSpPr>
+          <p:nvPr>
+            <p:ph type="title"/>
+          </p:nvPr>
+        </p:nvSpPr>
+        <p:spPr/>
+        <p:txBody>
+          <a:bodyPr/>
+          <a:lstStyle/>
+          <a:p>
+            <a:r>
+              <a:rPr lang="en-IN"/>
+              <a:t>Acknowledgment</a:t>
+            </a:r>
+          </a:p>
+        </p:txBody>
+      </p:sp>
+      <p:sp>
+        <p:nvSpPr>
+          <p:cNvPr id="3" name="Content Placeholder 2"/>
+          <p:cNvSpPr>
+            <a:spLocks noGrp="1"/>
+          </p:cNvSpPr>
+          <p:nvPr>
+            <p:ph idx="1"/>
+          </p:nvPr>
+        </p:nvSpPr>
+        <p:spPr/>
+        <p:txBody>
+          <a:bodyPr/>
+          <a:lstStyle/>
+          <a:p>
+            <a:pPr marL="0" indent="0" algn="ctr">
+              <a:spcBef>
+                <a:spcPts val="0"/>
+              </a:spcBef>
+              <a:spcAft>
+                <a:spcPts val="0"/>
+              </a:spcAft>
+              <a:buNone/>
+            </a:pPr>
+            <a:r>
+              <a:rPr lang="en-US" sz="2000" dirty="0">
+                <a:latin typeface="Calibri"/>
+                <a:cs typeface="Calibri"/>
+              </a:rPr>
+              <a:t>We would like to thank our mentor Mr. </a:t>
+            </a:r>
+            <a:r>
+              <a:rPr lang="en-US" sz="2000" dirty="0" err="1">
+                <a:latin typeface="Calibri"/>
+                <a:cs typeface="Calibri"/>
+              </a:rPr>
+              <a:t>Sabyasachi</a:t>
+            </a:r>
+            <a:r>
+              <a:rPr lang="en-US" sz="2000" dirty="0">
+                <a:latin typeface="Calibri"/>
+                <a:cs typeface="Calibri"/>
+              </a:rPr>
+              <a:t> Mukherjee Sir, for his continuous guidance during the preparation for this topic. </a:t>
+            </a:r>
+            <a:endParaRPr lang="en-US" sz="2000" dirty="0">
+              <a:ea typeface="+mn-lt"/>
+              <a:cs typeface="+mn-lt"/>
+            </a:endParaRPr>
+          </a:p>
+          <a:p>
+            <a:pPr marL="0" indent="0" algn="ctr">
+              <a:spcBef>
+                <a:spcPts val="0"/>
+              </a:spcBef>
+              <a:spcAft>
+                <a:spcPts val="0"/>
+              </a:spcAft>
+              <a:buNone/>
+            </a:pPr>
+            <a:r>
+              <a:rPr lang="en-US" sz="2000" dirty="0">
+                <a:latin typeface="Calibri"/>
+                <a:cs typeface="Calibri"/>
+              </a:rPr>
+              <a:t>We would like to thank the Head of Computer Science &amp; Engineering department, Dr. Monish Chatterjee for providing us with the opportunity to explore such technological fields.</a:t>
+            </a:r>
+            <a:endParaRPr lang="en-IN" sz="2000" dirty="0"/>
+          </a:p>
+        </p:txBody>
+      </p:sp>
+    </p:spTree>
+    <p:extLst>
+      <p:ext uri="{BB962C8B-B14F-4D97-AF65-F5344CB8AC3E}">
+        <p14:creationId xmlns:p14="http://schemas.microsoft.com/office/powerpoint/2010/main" val="534460931"/>
+      </p:ext>
+    </p:extLst>
+  </p:cSld>
+  <p:clrMapOvr>
+    <a:masterClrMapping/>
+  </p:clrMapOvr>
+  <p:timing>
+    <p:tnLst>
+      <p:par>
+        <p:cTn id="1" dur="indefinite" restart="never" nodeType="tmRoot"/>
+      </p:par>
+    </p:tnLst>
+  </p:timing>
+</p:sld>
+</file>
+
+<file path=ppt/slides/slide33.xml><?xml version="1.0" encoding="utf-8"?>
+<p:sld xmlns:a="http://schemas.openxmlformats.org/drawingml/2006/main" xmlns:r="http://schemas.openxmlformats.org/officeDocument/2006/relationships" xmlns:p="http://schemas.openxmlformats.org/presentationml/2006/main">
+  <p:cSld>
+    <p:spTree>
+      <p:nvGrpSpPr>
+        <p:cNvPr id="1" name=""/>
+        <p:cNvGrpSpPr/>
+        <p:nvPr/>
+      </p:nvGrpSpPr>
+      <p:grpSpPr>
+        <a:xfrm>
+          <a:off x="0" y="0"/>
+          <a:ext cx="0" cy="0"/>
+          <a:chOff x="0" y="0"/>
+          <a:chExt cx="0" cy="0"/>
+        </a:xfrm>
+      </p:grpSpPr>
+      <p:sp>
+        <p:nvSpPr>
+          <p:cNvPr id="2" name="Title 1"/>
+          <p:cNvSpPr>
+            <a:spLocks noGrp="1"/>
+          </p:cNvSpPr>
+          <p:nvPr>
+            <p:ph type="title"/>
+          </p:nvPr>
+        </p:nvSpPr>
+        <p:spPr/>
+        <p:txBody>
+          <a:bodyPr/>
+          <a:lstStyle/>
+          <a:p>
+            <a:r>
+              <a:rPr lang="en-IN"/>
               <a:t>REFERENCES</a:t>
             </a:r>
           </a:p>
@@ -8660,6 +9028,13 @@
   <p:clrMapOvr>
     <a:masterClrMapping/>
   </p:clrMapOvr>
+  <p:timing>
+    <p:tnLst>
+      <p:par>
+        <p:cTn id="1" dur="indefinite" restart="never" nodeType="tmRoot"/>
+      </p:par>
+    </p:tnLst>
+  </p:timing>
 </p:sld>
 </file>
 
@@ -8719,6 +9094,13 @@
   <p:clrMapOvr>
     <a:masterClrMapping/>
   </p:clrMapOvr>
+  <p:timing>
+    <p:tnLst>
+      <p:par>
+        <p:cTn id="1" dur="indefinite" restart="never" nodeType="tmRoot"/>
+      </p:par>
+    </p:tnLst>
+  </p:timing>
 </p:sld>
 </file>
 
@@ -8977,6 +9359,13 @@
   <p:clrMapOvr>
     <a:masterClrMapping/>
   </p:clrMapOvr>
+  <p:timing>
+    <p:tnLst>
+      <p:par>
+        <p:cTn id="1" dur="indefinite" restart="never" nodeType="tmRoot"/>
+      </p:par>
+    </p:tnLst>
+  </p:timing>
 </p:sld>
 </file>
 
@@ -9080,6 +9469,13 @@
   <p:clrMapOvr>
     <a:masterClrMapping/>
   </p:clrMapOvr>
+  <p:timing>
+    <p:tnLst>
+      <p:par>
+        <p:cTn id="1" dur="indefinite" restart="never" nodeType="tmRoot"/>
+      </p:par>
+    </p:tnLst>
+  </p:timing>
 </p:sld>
 </file>
 
@@ -9215,6 +9611,13 @@
   <p:clrMapOvr>
     <a:masterClrMapping/>
   </p:clrMapOvr>
+  <p:timing>
+    <p:tnLst>
+      <p:par>
+        <p:cTn id="1" dur="indefinite" restart="never" nodeType="tmRoot"/>
+      </p:par>
+    </p:tnLst>
+  </p:timing>
 </p:sld>
 </file>
 
@@ -9642,6 +10045,13 @@
   <p:clrMapOvr>
     <a:masterClrMapping/>
   </p:clrMapOvr>
+  <p:timing>
+    <p:tnLst>
+      <p:par>
+        <p:cTn id="1" dur="indefinite" restart="never" nodeType="tmRoot"/>
+      </p:par>
+    </p:tnLst>
+  </p:timing>
 </p:sld>
 </file>
 
@@ -9724,6 +10134,13 @@
   <p:clrMapOvr>
     <a:masterClrMapping/>
   </p:clrMapOvr>
+  <p:timing>
+    <p:tnLst>
+      <p:par>
+        <p:cTn id="1" dur="indefinite" restart="never" nodeType="tmRoot"/>
+      </p:par>
+    </p:tnLst>
+  </p:timing>
 </p:sld>
 </file>
 
